--- a/C语言期末作业.pptx
+++ b/C语言期末作业.pptx
@@ -112,6 +112,11 @@
       </a:defRPr>
     </a:lvl9pPr>
   </p:defaultTextStyle>
+  <p:extLst>
+    <p:ext uri="{EFAFB233-063F-42B5-8137-9DF3F51BA10A}">
+      <p15:sldGuideLst xmlns:p15="http://schemas.microsoft.com/office/powerpoint/2012/main"/>
+    </p:ext>
+  </p:extLst>
 </p:presentation>
 </file>
 
@@ -262,7 +267,7 @@
           <a:p>
             <a:fld id="{0180F421-0387-4E62-8C0C-8EDCCEDDF93F}" type="datetimeFigureOut">
               <a:rPr lang="zh-CN" altLang="en-US" smtClean="0"/>
-              <a:t>2019/12/18</a:t>
+              <a:t>2019/12/22</a:t>
             </a:fld>
             <a:endParaRPr lang="zh-CN" altLang="en-US"/>
           </a:p>
@@ -460,7 +465,7 @@
           <a:p>
             <a:fld id="{0180F421-0387-4E62-8C0C-8EDCCEDDF93F}" type="datetimeFigureOut">
               <a:rPr lang="zh-CN" altLang="en-US" smtClean="0"/>
-              <a:t>2019/12/18</a:t>
+              <a:t>2019/12/22</a:t>
             </a:fld>
             <a:endParaRPr lang="zh-CN" altLang="en-US"/>
           </a:p>
@@ -668,7 +673,7 @@
           <a:p>
             <a:fld id="{0180F421-0387-4E62-8C0C-8EDCCEDDF93F}" type="datetimeFigureOut">
               <a:rPr lang="zh-CN" altLang="en-US" smtClean="0"/>
-              <a:t>2019/12/18</a:t>
+              <a:t>2019/12/22</a:t>
             </a:fld>
             <a:endParaRPr lang="zh-CN" altLang="en-US"/>
           </a:p>
@@ -866,7 +871,7 @@
           <a:p>
             <a:fld id="{0180F421-0387-4E62-8C0C-8EDCCEDDF93F}" type="datetimeFigureOut">
               <a:rPr lang="zh-CN" altLang="en-US" smtClean="0"/>
-              <a:t>2019/12/18</a:t>
+              <a:t>2019/12/22</a:t>
             </a:fld>
             <a:endParaRPr lang="zh-CN" altLang="en-US"/>
           </a:p>
@@ -1141,7 +1146,7 @@
           <a:p>
             <a:fld id="{0180F421-0387-4E62-8C0C-8EDCCEDDF93F}" type="datetimeFigureOut">
               <a:rPr lang="zh-CN" altLang="en-US" smtClean="0"/>
-              <a:t>2019/12/18</a:t>
+              <a:t>2019/12/22</a:t>
             </a:fld>
             <a:endParaRPr lang="zh-CN" altLang="en-US"/>
           </a:p>
@@ -1406,7 +1411,7 @@
           <a:p>
             <a:fld id="{0180F421-0387-4E62-8C0C-8EDCCEDDF93F}" type="datetimeFigureOut">
               <a:rPr lang="zh-CN" altLang="en-US" smtClean="0"/>
-              <a:t>2019/12/18</a:t>
+              <a:t>2019/12/22</a:t>
             </a:fld>
             <a:endParaRPr lang="zh-CN" altLang="en-US"/>
           </a:p>
@@ -1818,7 +1823,7 @@
           <a:p>
             <a:fld id="{0180F421-0387-4E62-8C0C-8EDCCEDDF93F}" type="datetimeFigureOut">
               <a:rPr lang="zh-CN" altLang="en-US" smtClean="0"/>
-              <a:t>2019/12/18</a:t>
+              <a:t>2019/12/22</a:t>
             </a:fld>
             <a:endParaRPr lang="zh-CN" altLang="en-US"/>
           </a:p>
@@ -1959,7 +1964,7 @@
           <a:p>
             <a:fld id="{0180F421-0387-4E62-8C0C-8EDCCEDDF93F}" type="datetimeFigureOut">
               <a:rPr lang="zh-CN" altLang="en-US" smtClean="0"/>
-              <a:t>2019/12/18</a:t>
+              <a:t>2019/12/22</a:t>
             </a:fld>
             <a:endParaRPr lang="zh-CN" altLang="en-US"/>
           </a:p>
@@ -2072,7 +2077,7 @@
           <a:p>
             <a:fld id="{0180F421-0387-4E62-8C0C-8EDCCEDDF93F}" type="datetimeFigureOut">
               <a:rPr lang="zh-CN" altLang="en-US" smtClean="0"/>
-              <a:t>2019/12/18</a:t>
+              <a:t>2019/12/22</a:t>
             </a:fld>
             <a:endParaRPr lang="zh-CN" altLang="en-US"/>
           </a:p>
@@ -2383,7 +2388,7 @@
           <a:p>
             <a:fld id="{0180F421-0387-4E62-8C0C-8EDCCEDDF93F}" type="datetimeFigureOut">
               <a:rPr lang="zh-CN" altLang="en-US" smtClean="0"/>
-              <a:t>2019/12/18</a:t>
+              <a:t>2019/12/22</a:t>
             </a:fld>
             <a:endParaRPr lang="zh-CN" altLang="en-US"/>
           </a:p>
@@ -2671,7 +2676,7 @@
           <a:p>
             <a:fld id="{0180F421-0387-4E62-8C0C-8EDCCEDDF93F}" type="datetimeFigureOut">
               <a:rPr lang="zh-CN" altLang="en-US" smtClean="0"/>
-              <a:t>2019/12/18</a:t>
+              <a:t>2019/12/22</a:t>
             </a:fld>
             <a:endParaRPr lang="zh-CN" altLang="en-US"/>
           </a:p>
@@ -2921,7 +2926,7 @@
           <a:p>
             <a:fld id="{0180F421-0387-4E62-8C0C-8EDCCEDDF93F}" type="datetimeFigureOut">
               <a:rPr lang="zh-CN" altLang="en-US" smtClean="0"/>
-              <a:t>2019/12/18</a:t>
+              <a:t>2019/12/22</a:t>
             </a:fld>
             <a:endParaRPr lang="zh-CN" altLang="en-US"/>
           </a:p>
@@ -4503,7 +4508,47 @@
           <a:bodyPr/>
           <a:lstStyle/>
           <a:p>
-            <a:endParaRPr lang="zh-CN" altLang="en-US" dirty="0"/>
+            <a:r>
+              <a:rPr lang="zh-CN" altLang="en-US" dirty="0"/>
+              <a:t>分配了任务</a:t>
+            </a:r>
+            <a:endParaRPr lang="en-US" altLang="zh-CN" dirty="0"/>
+          </a:p>
+          <a:p>
+            <a:r>
+              <a:rPr lang="zh-CN" altLang="en-US" dirty="0"/>
+              <a:t>茂源： 哈希表查找</a:t>
+            </a:r>
+            <a:endParaRPr lang="en-US" altLang="zh-CN" dirty="0"/>
+          </a:p>
+          <a:p>
+            <a:r>
+              <a:rPr lang="zh-CN" altLang="en-US" dirty="0"/>
+              <a:t>毛 ：冒泡排序</a:t>
+            </a:r>
+            <a:endParaRPr lang="en-US" altLang="zh-CN" dirty="0"/>
+          </a:p>
+          <a:p>
+            <a:r>
+              <a:rPr lang="zh-CN" altLang="en-US" dirty="0"/>
+              <a:t>王渊：</a:t>
+            </a:r>
+            <a:r>
+              <a:rPr lang="en-US" altLang="zh-CN" dirty="0" err="1"/>
+              <a:t>ui</a:t>
+            </a:r>
+            <a:r>
+              <a:rPr lang="zh-CN" altLang="en-US" dirty="0"/>
+              <a:t>美化，</a:t>
+            </a:r>
+            <a:r>
+              <a:rPr lang="en-US" altLang="zh-CN" dirty="0"/>
+              <a:t>ppt</a:t>
+            </a:r>
+            <a:r>
+              <a:rPr lang="zh-CN" altLang="en-US" dirty="0"/>
+              <a:t>中模块分解图</a:t>
+            </a:r>
           </a:p>
         </p:txBody>
       </p:sp>

--- a/C语言期末作业.pptx
+++ b/C语言期末作业.pptx
@@ -14,6 +14,10 @@
     <p:sldId id="262" r:id="rId8"/>
     <p:sldId id="263" r:id="rId9"/>
     <p:sldId id="264" r:id="rId10"/>
+    <p:sldId id="265" r:id="rId11"/>
+    <p:sldId id="266" r:id="rId12"/>
+    <p:sldId id="267" r:id="rId13"/>
+    <p:sldId id="268" r:id="rId14"/>
   </p:sldIdLst>
   <p:sldSz cx="12192000" cy="6858000"/>
   <p:notesSz cx="6858000" cy="9144000"/>
@@ -113,6 +117,27 @@
     </a:lvl9pPr>
   </p:defaultTextStyle>
   <p:extLst>
+    <p:ext uri="{521415D9-36F7-43E2-AB2F-B90AF26B5E84}">
+      <p14:sectionLst xmlns:p14="http://schemas.microsoft.com/office/powerpoint/2010/main">
+        <p14:section name="默认节" id="{055DDD99-9713-49AC-B2BC-EFEA63DF46E5}">
+          <p14:sldIdLst>
+            <p14:sldId id="256"/>
+            <p14:sldId id="257"/>
+            <p14:sldId id="258"/>
+            <p14:sldId id="259"/>
+            <p14:sldId id="260"/>
+            <p14:sldId id="261"/>
+            <p14:sldId id="262"/>
+            <p14:sldId id="263"/>
+            <p14:sldId id="264"/>
+            <p14:sldId id="265"/>
+            <p14:sldId id="266"/>
+            <p14:sldId id="267"/>
+            <p14:sldId id="268"/>
+          </p14:sldIdLst>
+        </p14:section>
+      </p14:sectionLst>
+    </p:ext>
     <p:ext uri="{EFAFB233-063F-42B5-8137-9DF3F51BA10A}">
       <p15:sldGuideLst xmlns:p15="http://schemas.microsoft.com/office/powerpoint/2012/main"/>
     </p:ext>
@@ -267,7 +292,7 @@
           <a:p>
             <a:fld id="{0180F421-0387-4E62-8C0C-8EDCCEDDF93F}" type="datetimeFigureOut">
               <a:rPr lang="zh-CN" altLang="en-US" smtClean="0"/>
-              <a:t>2019/12/22</a:t>
+              <a:t>2019/12/25</a:t>
             </a:fld>
             <a:endParaRPr lang="zh-CN" altLang="en-US"/>
           </a:p>
@@ -465,7 +490,7 @@
           <a:p>
             <a:fld id="{0180F421-0387-4E62-8C0C-8EDCCEDDF93F}" type="datetimeFigureOut">
               <a:rPr lang="zh-CN" altLang="en-US" smtClean="0"/>
-              <a:t>2019/12/22</a:t>
+              <a:t>2019/12/25</a:t>
             </a:fld>
             <a:endParaRPr lang="zh-CN" altLang="en-US"/>
           </a:p>
@@ -673,7 +698,7 @@
           <a:p>
             <a:fld id="{0180F421-0387-4E62-8C0C-8EDCCEDDF93F}" type="datetimeFigureOut">
               <a:rPr lang="zh-CN" altLang="en-US" smtClean="0"/>
-              <a:t>2019/12/22</a:t>
+              <a:t>2019/12/25</a:t>
             </a:fld>
             <a:endParaRPr lang="zh-CN" altLang="en-US"/>
           </a:p>
@@ -871,7 +896,7 @@
           <a:p>
             <a:fld id="{0180F421-0387-4E62-8C0C-8EDCCEDDF93F}" type="datetimeFigureOut">
               <a:rPr lang="zh-CN" altLang="en-US" smtClean="0"/>
-              <a:t>2019/12/22</a:t>
+              <a:t>2019/12/25</a:t>
             </a:fld>
             <a:endParaRPr lang="zh-CN" altLang="en-US"/>
           </a:p>
@@ -1146,7 +1171,7 @@
           <a:p>
             <a:fld id="{0180F421-0387-4E62-8C0C-8EDCCEDDF93F}" type="datetimeFigureOut">
               <a:rPr lang="zh-CN" altLang="en-US" smtClean="0"/>
-              <a:t>2019/12/22</a:t>
+              <a:t>2019/12/25</a:t>
             </a:fld>
             <a:endParaRPr lang="zh-CN" altLang="en-US"/>
           </a:p>
@@ -1411,7 +1436,7 @@
           <a:p>
             <a:fld id="{0180F421-0387-4E62-8C0C-8EDCCEDDF93F}" type="datetimeFigureOut">
               <a:rPr lang="zh-CN" altLang="en-US" smtClean="0"/>
-              <a:t>2019/12/22</a:t>
+              <a:t>2019/12/25</a:t>
             </a:fld>
             <a:endParaRPr lang="zh-CN" altLang="en-US"/>
           </a:p>
@@ -1823,7 +1848,7 @@
           <a:p>
             <a:fld id="{0180F421-0387-4E62-8C0C-8EDCCEDDF93F}" type="datetimeFigureOut">
               <a:rPr lang="zh-CN" altLang="en-US" smtClean="0"/>
-              <a:t>2019/12/22</a:t>
+              <a:t>2019/12/25</a:t>
             </a:fld>
             <a:endParaRPr lang="zh-CN" altLang="en-US"/>
           </a:p>
@@ -1964,7 +1989,7 @@
           <a:p>
             <a:fld id="{0180F421-0387-4E62-8C0C-8EDCCEDDF93F}" type="datetimeFigureOut">
               <a:rPr lang="zh-CN" altLang="en-US" smtClean="0"/>
-              <a:t>2019/12/22</a:t>
+              <a:t>2019/12/25</a:t>
             </a:fld>
             <a:endParaRPr lang="zh-CN" altLang="en-US"/>
           </a:p>
@@ -2077,7 +2102,7 @@
           <a:p>
             <a:fld id="{0180F421-0387-4E62-8C0C-8EDCCEDDF93F}" type="datetimeFigureOut">
               <a:rPr lang="zh-CN" altLang="en-US" smtClean="0"/>
-              <a:t>2019/12/22</a:t>
+              <a:t>2019/12/25</a:t>
             </a:fld>
             <a:endParaRPr lang="zh-CN" altLang="en-US"/>
           </a:p>
@@ -2388,7 +2413,7 @@
           <a:p>
             <a:fld id="{0180F421-0387-4E62-8C0C-8EDCCEDDF93F}" type="datetimeFigureOut">
               <a:rPr lang="zh-CN" altLang="en-US" smtClean="0"/>
-              <a:t>2019/12/22</a:t>
+              <a:t>2019/12/25</a:t>
             </a:fld>
             <a:endParaRPr lang="zh-CN" altLang="en-US"/>
           </a:p>
@@ -2676,7 +2701,7 @@
           <a:p>
             <a:fld id="{0180F421-0387-4E62-8C0C-8EDCCEDDF93F}" type="datetimeFigureOut">
               <a:rPr lang="zh-CN" altLang="en-US" smtClean="0"/>
-              <a:t>2019/12/22</a:t>
+              <a:t>2019/12/25</a:t>
             </a:fld>
             <a:endParaRPr lang="zh-CN" altLang="en-US"/>
           </a:p>
@@ -2926,7 +2951,7 @@
           <a:p>
             <a:fld id="{0180F421-0387-4E62-8C0C-8EDCCEDDF93F}" type="datetimeFigureOut">
               <a:rPr lang="zh-CN" altLang="en-US" smtClean="0"/>
-              <a:t>2019/12/22</a:t>
+              <a:t>2019/12/25</a:t>
             </a:fld>
             <a:endParaRPr lang="zh-CN" altLang="en-US"/>
           </a:p>
@@ -3451,6 +3476,326 @@
 </p:sld>
 </file>
 
+<file path=ppt/slides/slide10.xml><?xml version="1.0" encoding="utf-8"?>
+<p:sld xmlns:a="http://schemas.openxmlformats.org/drawingml/2006/main" xmlns:r="http://schemas.openxmlformats.org/officeDocument/2006/relationships" xmlns:p="http://schemas.openxmlformats.org/presentationml/2006/main">
+  <p:cSld>
+    <p:spTree>
+      <p:nvGrpSpPr>
+        <p:cNvPr id="1" name=""/>
+        <p:cNvGrpSpPr/>
+        <p:nvPr/>
+      </p:nvGrpSpPr>
+      <p:grpSpPr>
+        <a:xfrm>
+          <a:off x="0" y="0"/>
+          <a:ext cx="0" cy="0"/>
+          <a:chOff x="0" y="0"/>
+          <a:chExt cx="0" cy="0"/>
+        </a:xfrm>
+      </p:grpSpPr>
+      <p:sp>
+        <p:nvSpPr>
+          <p:cNvPr id="2" name="标题 1">
+            <a:extLst>
+              <a:ext uri="{FF2B5EF4-FFF2-40B4-BE49-F238E27FC236}">
+                <a16:creationId xmlns:a16="http://schemas.microsoft.com/office/drawing/2014/main" id="{77613B1F-838A-4E4A-A568-4FD92093745C}"/>
+              </a:ext>
+            </a:extLst>
+          </p:cNvPr>
+          <p:cNvSpPr>
+            <a:spLocks noGrp="1"/>
+          </p:cNvSpPr>
+          <p:nvPr>
+            <p:ph type="title"/>
+          </p:nvPr>
+        </p:nvSpPr>
+        <p:spPr/>
+        <p:txBody>
+          <a:bodyPr/>
+          <a:lstStyle/>
+          <a:p>
+            <a:endParaRPr lang="zh-CN" altLang="en-US"/>
+          </a:p>
+        </p:txBody>
+      </p:sp>
+      <p:sp>
+        <p:nvSpPr>
+          <p:cNvPr id="3" name="内容占位符 2">
+            <a:extLst>
+              <a:ext uri="{FF2B5EF4-FFF2-40B4-BE49-F238E27FC236}">
+                <a16:creationId xmlns:a16="http://schemas.microsoft.com/office/drawing/2014/main" id="{0FAAECB0-2E1D-4E7F-8544-1D75F6A70316}"/>
+              </a:ext>
+            </a:extLst>
+          </p:cNvPr>
+          <p:cNvSpPr>
+            <a:spLocks noGrp="1"/>
+          </p:cNvSpPr>
+          <p:nvPr>
+            <p:ph idx="1"/>
+          </p:nvPr>
+        </p:nvSpPr>
+        <p:spPr/>
+        <p:txBody>
+          <a:bodyPr/>
+          <a:lstStyle/>
+          <a:p>
+            <a:endParaRPr lang="zh-CN" altLang="en-US"/>
+          </a:p>
+        </p:txBody>
+      </p:sp>
+    </p:spTree>
+    <p:extLst>
+      <p:ext uri="{BB962C8B-B14F-4D97-AF65-F5344CB8AC3E}">
+        <p14:creationId xmlns:p14="http://schemas.microsoft.com/office/powerpoint/2010/main" val="469474138"/>
+      </p:ext>
+    </p:extLst>
+  </p:cSld>
+  <p:clrMapOvr>
+    <a:masterClrMapping/>
+  </p:clrMapOvr>
+</p:sld>
+</file>
+
+<file path=ppt/slides/slide11.xml><?xml version="1.0" encoding="utf-8"?>
+<p:sld xmlns:a="http://schemas.openxmlformats.org/drawingml/2006/main" xmlns:r="http://schemas.openxmlformats.org/officeDocument/2006/relationships" xmlns:p="http://schemas.openxmlformats.org/presentationml/2006/main">
+  <p:cSld>
+    <p:spTree>
+      <p:nvGrpSpPr>
+        <p:cNvPr id="1" name=""/>
+        <p:cNvGrpSpPr/>
+        <p:nvPr/>
+      </p:nvGrpSpPr>
+      <p:grpSpPr>
+        <a:xfrm>
+          <a:off x="0" y="0"/>
+          <a:ext cx="0" cy="0"/>
+          <a:chOff x="0" y="0"/>
+          <a:chExt cx="0" cy="0"/>
+        </a:xfrm>
+      </p:grpSpPr>
+      <p:sp>
+        <p:nvSpPr>
+          <p:cNvPr id="2" name="标题 1">
+            <a:extLst>
+              <a:ext uri="{FF2B5EF4-FFF2-40B4-BE49-F238E27FC236}">
+                <a16:creationId xmlns:a16="http://schemas.microsoft.com/office/drawing/2014/main" id="{18812CB9-C18C-4338-8D14-F6FBCD94903D}"/>
+              </a:ext>
+            </a:extLst>
+          </p:cNvPr>
+          <p:cNvSpPr>
+            <a:spLocks noGrp="1"/>
+          </p:cNvSpPr>
+          <p:nvPr>
+            <p:ph type="title"/>
+          </p:nvPr>
+        </p:nvSpPr>
+        <p:spPr/>
+        <p:txBody>
+          <a:bodyPr/>
+          <a:lstStyle/>
+          <a:p>
+            <a:endParaRPr lang="zh-CN" altLang="en-US"/>
+          </a:p>
+        </p:txBody>
+      </p:sp>
+      <p:sp>
+        <p:nvSpPr>
+          <p:cNvPr id="3" name="内容占位符 2">
+            <a:extLst>
+              <a:ext uri="{FF2B5EF4-FFF2-40B4-BE49-F238E27FC236}">
+                <a16:creationId xmlns:a16="http://schemas.microsoft.com/office/drawing/2014/main" id="{5533DAF4-CFB4-4BC2-80AB-721B3A2E9F61}"/>
+              </a:ext>
+            </a:extLst>
+          </p:cNvPr>
+          <p:cNvSpPr>
+            <a:spLocks noGrp="1"/>
+          </p:cNvSpPr>
+          <p:nvPr>
+            <p:ph idx="1"/>
+          </p:nvPr>
+        </p:nvSpPr>
+        <p:spPr/>
+        <p:txBody>
+          <a:bodyPr/>
+          <a:lstStyle/>
+          <a:p>
+            <a:endParaRPr lang="zh-CN" altLang="en-US"/>
+          </a:p>
+        </p:txBody>
+      </p:sp>
+    </p:spTree>
+    <p:extLst>
+      <p:ext uri="{BB962C8B-B14F-4D97-AF65-F5344CB8AC3E}">
+        <p14:creationId xmlns:p14="http://schemas.microsoft.com/office/powerpoint/2010/main" val="2869912796"/>
+      </p:ext>
+    </p:extLst>
+  </p:cSld>
+  <p:clrMapOvr>
+    <a:masterClrMapping/>
+  </p:clrMapOvr>
+</p:sld>
+</file>
+
+<file path=ppt/slides/slide12.xml><?xml version="1.0" encoding="utf-8"?>
+<p:sld xmlns:a="http://schemas.openxmlformats.org/drawingml/2006/main" xmlns:r="http://schemas.openxmlformats.org/officeDocument/2006/relationships" xmlns:p="http://schemas.openxmlformats.org/presentationml/2006/main">
+  <p:cSld>
+    <p:spTree>
+      <p:nvGrpSpPr>
+        <p:cNvPr id="1" name=""/>
+        <p:cNvGrpSpPr/>
+        <p:nvPr/>
+      </p:nvGrpSpPr>
+      <p:grpSpPr>
+        <a:xfrm>
+          <a:off x="0" y="0"/>
+          <a:ext cx="0" cy="0"/>
+          <a:chOff x="0" y="0"/>
+          <a:chExt cx="0" cy="0"/>
+        </a:xfrm>
+      </p:grpSpPr>
+      <p:sp>
+        <p:nvSpPr>
+          <p:cNvPr id="2" name="标题 1">
+            <a:extLst>
+              <a:ext uri="{FF2B5EF4-FFF2-40B4-BE49-F238E27FC236}">
+                <a16:creationId xmlns:a16="http://schemas.microsoft.com/office/drawing/2014/main" id="{F45724D4-B309-45AF-A411-534CEB52EE4E}"/>
+              </a:ext>
+            </a:extLst>
+          </p:cNvPr>
+          <p:cNvSpPr>
+            <a:spLocks noGrp="1"/>
+          </p:cNvSpPr>
+          <p:nvPr>
+            <p:ph type="title"/>
+          </p:nvPr>
+        </p:nvSpPr>
+        <p:spPr/>
+        <p:txBody>
+          <a:bodyPr/>
+          <a:lstStyle/>
+          <a:p>
+            <a:endParaRPr lang="zh-CN" altLang="en-US"/>
+          </a:p>
+        </p:txBody>
+      </p:sp>
+      <p:sp>
+        <p:nvSpPr>
+          <p:cNvPr id="3" name="内容占位符 2">
+            <a:extLst>
+              <a:ext uri="{FF2B5EF4-FFF2-40B4-BE49-F238E27FC236}">
+                <a16:creationId xmlns:a16="http://schemas.microsoft.com/office/drawing/2014/main" id="{2FA2955C-4270-47BD-8558-8CF29BF0F1F1}"/>
+              </a:ext>
+            </a:extLst>
+          </p:cNvPr>
+          <p:cNvSpPr>
+            <a:spLocks noGrp="1"/>
+          </p:cNvSpPr>
+          <p:nvPr>
+            <p:ph idx="1"/>
+          </p:nvPr>
+        </p:nvSpPr>
+        <p:spPr/>
+        <p:txBody>
+          <a:bodyPr/>
+          <a:lstStyle/>
+          <a:p>
+            <a:endParaRPr lang="zh-CN" altLang="en-US"/>
+          </a:p>
+        </p:txBody>
+      </p:sp>
+    </p:spTree>
+    <p:extLst>
+      <p:ext uri="{BB962C8B-B14F-4D97-AF65-F5344CB8AC3E}">
+        <p14:creationId xmlns:p14="http://schemas.microsoft.com/office/powerpoint/2010/main" val="2761542495"/>
+      </p:ext>
+    </p:extLst>
+  </p:cSld>
+  <p:clrMapOvr>
+    <a:masterClrMapping/>
+  </p:clrMapOvr>
+</p:sld>
+</file>
+
+<file path=ppt/slides/slide13.xml><?xml version="1.0" encoding="utf-8"?>
+<p:sld xmlns:a="http://schemas.openxmlformats.org/drawingml/2006/main" xmlns:r="http://schemas.openxmlformats.org/officeDocument/2006/relationships" xmlns:p="http://schemas.openxmlformats.org/presentationml/2006/main">
+  <p:cSld>
+    <p:spTree>
+      <p:nvGrpSpPr>
+        <p:cNvPr id="1" name=""/>
+        <p:cNvGrpSpPr/>
+        <p:nvPr/>
+      </p:nvGrpSpPr>
+      <p:grpSpPr>
+        <a:xfrm>
+          <a:off x="0" y="0"/>
+          <a:ext cx="0" cy="0"/>
+          <a:chOff x="0" y="0"/>
+          <a:chExt cx="0" cy="0"/>
+        </a:xfrm>
+      </p:grpSpPr>
+      <p:sp>
+        <p:nvSpPr>
+          <p:cNvPr id="2" name="标题 1">
+            <a:extLst>
+              <a:ext uri="{FF2B5EF4-FFF2-40B4-BE49-F238E27FC236}">
+                <a16:creationId xmlns:a16="http://schemas.microsoft.com/office/drawing/2014/main" id="{4B7FE133-6928-4A55-84CF-0B8BB539678C}"/>
+              </a:ext>
+            </a:extLst>
+          </p:cNvPr>
+          <p:cNvSpPr>
+            <a:spLocks noGrp="1"/>
+          </p:cNvSpPr>
+          <p:nvPr>
+            <p:ph type="title"/>
+          </p:nvPr>
+        </p:nvSpPr>
+        <p:spPr/>
+        <p:txBody>
+          <a:bodyPr/>
+          <a:lstStyle/>
+          <a:p>
+            <a:endParaRPr lang="zh-CN" altLang="en-US"/>
+          </a:p>
+        </p:txBody>
+      </p:sp>
+      <p:sp>
+        <p:nvSpPr>
+          <p:cNvPr id="3" name="内容占位符 2">
+            <a:extLst>
+              <a:ext uri="{FF2B5EF4-FFF2-40B4-BE49-F238E27FC236}">
+                <a16:creationId xmlns:a16="http://schemas.microsoft.com/office/drawing/2014/main" id="{741C2B36-0998-4D7D-BB54-E25A9967382B}"/>
+              </a:ext>
+            </a:extLst>
+          </p:cNvPr>
+          <p:cNvSpPr>
+            <a:spLocks noGrp="1"/>
+          </p:cNvSpPr>
+          <p:nvPr>
+            <p:ph idx="1"/>
+          </p:nvPr>
+        </p:nvSpPr>
+        <p:spPr/>
+        <p:txBody>
+          <a:bodyPr/>
+          <a:lstStyle/>
+          <a:p>
+            <a:endParaRPr lang="zh-CN" altLang="en-US"/>
+          </a:p>
+        </p:txBody>
+      </p:sp>
+    </p:spTree>
+    <p:extLst>
+      <p:ext uri="{BB962C8B-B14F-4D97-AF65-F5344CB8AC3E}">
+        <p14:creationId xmlns:p14="http://schemas.microsoft.com/office/powerpoint/2010/main" val="329710513"/>
+      </p:ext>
+    </p:extLst>
+  </p:cSld>
+  <p:clrMapOvr>
+    <a:masterClrMapping/>
+  </p:clrMapOvr>
+</p:sld>
+</file>
+
 <file path=ppt/slides/slide2.xml><?xml version="1.0" encoding="utf-8"?>
 <p:sld xmlns:a="http://schemas.openxmlformats.org/drawingml/2006/main" xmlns:r="http://schemas.openxmlformats.org/officeDocument/2006/relationships" xmlns:p="http://schemas.openxmlformats.org/presentationml/2006/main">
   <p:cSld>

--- a/C语言期末作业.pptx
+++ b/C语言期末作业.pptx
@@ -14,10 +14,17 @@
     <p:sldId id="262" r:id="rId8"/>
     <p:sldId id="263" r:id="rId9"/>
     <p:sldId id="264" r:id="rId10"/>
-    <p:sldId id="265" r:id="rId11"/>
-    <p:sldId id="266" r:id="rId12"/>
-    <p:sldId id="267" r:id="rId13"/>
-    <p:sldId id="268" r:id="rId14"/>
+    <p:sldId id="273" r:id="rId11"/>
+    <p:sldId id="274" r:id="rId12"/>
+    <p:sldId id="275" r:id="rId13"/>
+    <p:sldId id="265" r:id="rId14"/>
+    <p:sldId id="266" r:id="rId15"/>
+    <p:sldId id="267" r:id="rId16"/>
+    <p:sldId id="271" r:id="rId17"/>
+    <p:sldId id="268" r:id="rId18"/>
+    <p:sldId id="269" r:id="rId19"/>
+    <p:sldId id="270" r:id="rId20"/>
+    <p:sldId id="272" r:id="rId21"/>
   </p:sldIdLst>
   <p:sldSz cx="12192000" cy="6858000"/>
   <p:notesSz cx="6858000" cy="9144000"/>
@@ -130,10 +137,17 @@
             <p14:sldId id="262"/>
             <p14:sldId id="263"/>
             <p14:sldId id="264"/>
+            <p14:sldId id="273"/>
+            <p14:sldId id="274"/>
+            <p14:sldId id="275"/>
             <p14:sldId id="265"/>
             <p14:sldId id="266"/>
             <p14:sldId id="267"/>
+            <p14:sldId id="271"/>
             <p14:sldId id="268"/>
+            <p14:sldId id="269"/>
+            <p14:sldId id="270"/>
+            <p14:sldId id="272"/>
           </p14:sldIdLst>
         </p14:section>
       </p14:sectionLst>
@@ -292,7 +306,7 @@
           <a:p>
             <a:fld id="{0180F421-0387-4E62-8C0C-8EDCCEDDF93F}" type="datetimeFigureOut">
               <a:rPr lang="zh-CN" altLang="en-US" smtClean="0"/>
-              <a:t>2019/12/25</a:t>
+              <a:t>2019/12/29</a:t>
             </a:fld>
             <a:endParaRPr lang="zh-CN" altLang="en-US"/>
           </a:p>
@@ -490,7 +504,7 @@
           <a:p>
             <a:fld id="{0180F421-0387-4E62-8C0C-8EDCCEDDF93F}" type="datetimeFigureOut">
               <a:rPr lang="zh-CN" altLang="en-US" smtClean="0"/>
-              <a:t>2019/12/25</a:t>
+              <a:t>2019/12/29</a:t>
             </a:fld>
             <a:endParaRPr lang="zh-CN" altLang="en-US"/>
           </a:p>
@@ -698,7 +712,7 @@
           <a:p>
             <a:fld id="{0180F421-0387-4E62-8C0C-8EDCCEDDF93F}" type="datetimeFigureOut">
               <a:rPr lang="zh-CN" altLang="en-US" smtClean="0"/>
-              <a:t>2019/12/25</a:t>
+              <a:t>2019/12/29</a:t>
             </a:fld>
             <a:endParaRPr lang="zh-CN" altLang="en-US"/>
           </a:p>
@@ -896,7 +910,7 @@
           <a:p>
             <a:fld id="{0180F421-0387-4E62-8C0C-8EDCCEDDF93F}" type="datetimeFigureOut">
               <a:rPr lang="zh-CN" altLang="en-US" smtClean="0"/>
-              <a:t>2019/12/25</a:t>
+              <a:t>2019/12/29</a:t>
             </a:fld>
             <a:endParaRPr lang="zh-CN" altLang="en-US"/>
           </a:p>
@@ -1171,7 +1185,7 @@
           <a:p>
             <a:fld id="{0180F421-0387-4E62-8C0C-8EDCCEDDF93F}" type="datetimeFigureOut">
               <a:rPr lang="zh-CN" altLang="en-US" smtClean="0"/>
-              <a:t>2019/12/25</a:t>
+              <a:t>2019/12/29</a:t>
             </a:fld>
             <a:endParaRPr lang="zh-CN" altLang="en-US"/>
           </a:p>
@@ -1436,7 +1450,7 @@
           <a:p>
             <a:fld id="{0180F421-0387-4E62-8C0C-8EDCCEDDF93F}" type="datetimeFigureOut">
               <a:rPr lang="zh-CN" altLang="en-US" smtClean="0"/>
-              <a:t>2019/12/25</a:t>
+              <a:t>2019/12/29</a:t>
             </a:fld>
             <a:endParaRPr lang="zh-CN" altLang="en-US"/>
           </a:p>
@@ -1848,7 +1862,7 @@
           <a:p>
             <a:fld id="{0180F421-0387-4E62-8C0C-8EDCCEDDF93F}" type="datetimeFigureOut">
               <a:rPr lang="zh-CN" altLang="en-US" smtClean="0"/>
-              <a:t>2019/12/25</a:t>
+              <a:t>2019/12/29</a:t>
             </a:fld>
             <a:endParaRPr lang="zh-CN" altLang="en-US"/>
           </a:p>
@@ -1989,7 +2003,7 @@
           <a:p>
             <a:fld id="{0180F421-0387-4E62-8C0C-8EDCCEDDF93F}" type="datetimeFigureOut">
               <a:rPr lang="zh-CN" altLang="en-US" smtClean="0"/>
-              <a:t>2019/12/25</a:t>
+              <a:t>2019/12/29</a:t>
             </a:fld>
             <a:endParaRPr lang="zh-CN" altLang="en-US"/>
           </a:p>
@@ -2102,7 +2116,7 @@
           <a:p>
             <a:fld id="{0180F421-0387-4E62-8C0C-8EDCCEDDF93F}" type="datetimeFigureOut">
               <a:rPr lang="zh-CN" altLang="en-US" smtClean="0"/>
-              <a:t>2019/12/25</a:t>
+              <a:t>2019/12/29</a:t>
             </a:fld>
             <a:endParaRPr lang="zh-CN" altLang="en-US"/>
           </a:p>
@@ -2413,7 +2427,7 @@
           <a:p>
             <a:fld id="{0180F421-0387-4E62-8C0C-8EDCCEDDF93F}" type="datetimeFigureOut">
               <a:rPr lang="zh-CN" altLang="en-US" smtClean="0"/>
-              <a:t>2019/12/25</a:t>
+              <a:t>2019/12/29</a:t>
             </a:fld>
             <a:endParaRPr lang="zh-CN" altLang="en-US"/>
           </a:p>
@@ -2701,7 +2715,7 @@
           <a:p>
             <a:fld id="{0180F421-0387-4E62-8C0C-8EDCCEDDF93F}" type="datetimeFigureOut">
               <a:rPr lang="zh-CN" altLang="en-US" smtClean="0"/>
-              <a:t>2019/12/25</a:t>
+              <a:t>2019/12/29</a:t>
             </a:fld>
             <a:endParaRPr lang="zh-CN" altLang="en-US"/>
           </a:p>
@@ -2951,7 +2965,7 @@
           <a:p>
             <a:fld id="{0180F421-0387-4E62-8C0C-8EDCCEDDF93F}" type="datetimeFigureOut">
               <a:rPr lang="zh-CN" altLang="en-US" smtClean="0"/>
-              <a:t>2019/12/25</a:t>
+              <a:t>2019/12/29</a:t>
             </a:fld>
             <a:endParaRPr lang="zh-CN" altLang="en-US"/>
           </a:p>
@@ -3498,7 +3512,7 @@
           <p:cNvPr id="2" name="标题 1">
             <a:extLst>
               <a:ext uri="{FF2B5EF4-FFF2-40B4-BE49-F238E27FC236}">
-                <a16:creationId xmlns:a16="http://schemas.microsoft.com/office/drawing/2014/main" id="{77613B1F-838A-4E4A-A568-4FD92093745C}"/>
+                <a16:creationId xmlns:a16="http://schemas.microsoft.com/office/drawing/2014/main" id="{BA90A605-A17F-46F7-88E2-0B67BC33A996}"/>
               </a:ext>
             </a:extLst>
           </p:cNvPr>
@@ -3514,7 +3528,10 @@
           <a:bodyPr/>
           <a:lstStyle/>
           <a:p>
-            <a:endParaRPr lang="zh-CN" altLang="en-US"/>
+            <a:r>
+              <a:rPr lang="zh-CN" altLang="en-US" dirty="0"/>
+              <a:t>系统分析</a:t>
+            </a:r>
           </a:p>
         </p:txBody>
       </p:sp>
@@ -3523,7 +3540,7 @@
           <p:cNvPr id="3" name="内容占位符 2">
             <a:extLst>
               <a:ext uri="{FF2B5EF4-FFF2-40B4-BE49-F238E27FC236}">
-                <a16:creationId xmlns:a16="http://schemas.microsoft.com/office/drawing/2014/main" id="{0FAAECB0-2E1D-4E7F-8544-1D75F6A70316}"/>
+                <a16:creationId xmlns:a16="http://schemas.microsoft.com/office/drawing/2014/main" id="{A4AC06E6-EFA8-428D-BE7F-D2F32F9E04A1}"/>
               </a:ext>
             </a:extLst>
           </p:cNvPr>
@@ -3536,17 +3553,58 @@
         </p:nvSpPr>
         <p:spPr/>
         <p:txBody>
-          <a:bodyPr/>
-          <a:lstStyle/>
-          <a:p>
-            <a:endParaRPr lang="zh-CN" altLang="en-US"/>
+          <a:bodyPr>
+            <a:normAutofit/>
+          </a:bodyPr>
+          <a:lstStyle/>
+          <a:p>
+            <a:r>
+              <a:rPr lang="zh-CN" altLang="en-US" dirty="0"/>
+              <a:t>可行性分析 </a:t>
+            </a:r>
+            <a:endParaRPr lang="en-US" altLang="zh-CN" dirty="0"/>
+          </a:p>
+          <a:p>
+            <a:pPr marL="0" indent="0">
+              <a:buNone/>
+            </a:pPr>
+            <a:r>
+              <a:rPr lang="zh-CN" altLang="en-US" dirty="0"/>
+              <a:t>（</a:t>
+            </a:r>
+            <a:r>
+              <a:rPr lang="en-US" altLang="zh-CN" dirty="0"/>
+              <a:t>1</a:t>
+            </a:r>
+            <a:r>
+              <a:rPr lang="zh-CN" altLang="en-US" dirty="0"/>
+              <a:t>）操作可行性 </a:t>
+            </a:r>
+            <a:endParaRPr lang="en-US" altLang="zh-CN" dirty="0"/>
+          </a:p>
+          <a:p>
+            <a:pPr marL="0" indent="0">
+              <a:buNone/>
+            </a:pPr>
+            <a:r>
+              <a:rPr lang="zh-CN" altLang="en-US" dirty="0"/>
+              <a:t>       本系统</a:t>
+            </a:r>
+            <a:r>
+              <a:rPr lang="en-US" altLang="zh-CN" dirty="0"/>
+              <a:t>UI</a:t>
+            </a:r>
+            <a:r>
+              <a:rPr lang="zh-CN" altLang="en-US" dirty="0"/>
+              <a:t>设计简单，菜单及功能文字简洁易懂，操作简单方 便，让用户一接触界面就对其操作及功能一目了然，用户也不需要 较强计算机专业知识，可操作性很强，所以在操作上是可行的 </a:t>
+            </a:r>
           </a:p>
         </p:txBody>
       </p:sp>
     </p:spTree>
     <p:extLst>
       <p:ext uri="{BB962C8B-B14F-4D97-AF65-F5344CB8AC3E}">
-        <p14:creationId xmlns:p14="http://schemas.microsoft.com/office/powerpoint/2010/main" val="469474138"/>
+        <p14:creationId xmlns:p14="http://schemas.microsoft.com/office/powerpoint/2010/main" val="3929603334"/>
       </p:ext>
     </p:extLst>
   </p:cSld>
@@ -3578,7 +3636,7 @@
           <p:cNvPr id="2" name="标题 1">
             <a:extLst>
               <a:ext uri="{FF2B5EF4-FFF2-40B4-BE49-F238E27FC236}">
-                <a16:creationId xmlns:a16="http://schemas.microsoft.com/office/drawing/2014/main" id="{18812CB9-C18C-4338-8D14-F6FBCD94903D}"/>
+                <a16:creationId xmlns:a16="http://schemas.microsoft.com/office/drawing/2014/main" id="{99212AD5-118A-4D1F-B4E9-E83A3C186876}"/>
               </a:ext>
             </a:extLst>
           </p:cNvPr>
@@ -3594,7 +3652,10 @@
           <a:bodyPr/>
           <a:lstStyle/>
           <a:p>
-            <a:endParaRPr lang="zh-CN" altLang="en-US"/>
+            <a:r>
+              <a:rPr lang="zh-CN" altLang="en-US" dirty="0"/>
+              <a:t>系统分析</a:t>
+            </a:r>
           </a:p>
         </p:txBody>
       </p:sp>
@@ -3603,7 +3664,7 @@
           <p:cNvPr id="3" name="内容占位符 2">
             <a:extLst>
               <a:ext uri="{FF2B5EF4-FFF2-40B4-BE49-F238E27FC236}">
-                <a16:creationId xmlns:a16="http://schemas.microsoft.com/office/drawing/2014/main" id="{5533DAF4-CFB4-4BC2-80AB-721B3A2E9F61}"/>
+                <a16:creationId xmlns:a16="http://schemas.microsoft.com/office/drawing/2014/main" id="{E1D3E485-2E1C-4849-8314-C0742821D452}"/>
               </a:ext>
             </a:extLst>
           </p:cNvPr>
@@ -3619,14 +3680,49 @@
           <a:bodyPr/>
           <a:lstStyle/>
           <a:p>
-            <a:endParaRPr lang="zh-CN" altLang="en-US"/>
+            <a:pPr marL="0" indent="0">
+              <a:buNone/>
+            </a:pPr>
+            <a:r>
+              <a:rPr lang="zh-CN" altLang="en-US" dirty="0"/>
+              <a:t>。 （</a:t>
+            </a:r>
+            <a:r>
+              <a:rPr lang="en-US" altLang="zh-CN" dirty="0"/>
+              <a:t>2</a:t>
+            </a:r>
+            <a:r>
+              <a:rPr lang="zh-CN" altLang="en-US" dirty="0"/>
+              <a:t>）经济可行性 </a:t>
+            </a:r>
+            <a:endParaRPr lang="en-US" altLang="zh-CN" dirty="0"/>
+          </a:p>
+          <a:p>
+            <a:pPr marL="0" indent="0">
+              <a:buNone/>
+            </a:pPr>
+            <a:r>
+              <a:rPr lang="zh-CN" altLang="en-US" dirty="0"/>
+              <a:t>        该系统 的成本投入，能够提高学校管理人员工作效率和减少工作人员 数量，从而减少人力资本的投入。故在经济方面是可行的。</a:t>
+            </a:r>
+            <a:endParaRPr lang="en-US" altLang="zh-CN" dirty="0"/>
+          </a:p>
+          <a:p>
+            <a:pPr marL="0" indent="0">
+              <a:buNone/>
+            </a:pPr>
+            <a:r>
+              <a:rPr lang="en-US" altLang="zh-CN" dirty="0"/>
+              <a:t>       </a:t>
+            </a:r>
+            <a:endParaRPr lang="zh-CN" altLang="en-US" dirty="0"/>
           </a:p>
         </p:txBody>
       </p:sp>
     </p:spTree>
     <p:extLst>
       <p:ext uri="{BB962C8B-B14F-4D97-AF65-F5344CB8AC3E}">
-        <p14:creationId xmlns:p14="http://schemas.microsoft.com/office/powerpoint/2010/main" val="2869912796"/>
+        <p14:creationId xmlns:p14="http://schemas.microsoft.com/office/powerpoint/2010/main" val="258893950"/>
       </p:ext>
     </p:extLst>
   </p:cSld>
@@ -3658,7 +3754,7 @@
           <p:cNvPr id="2" name="标题 1">
             <a:extLst>
               <a:ext uri="{FF2B5EF4-FFF2-40B4-BE49-F238E27FC236}">
-                <a16:creationId xmlns:a16="http://schemas.microsoft.com/office/drawing/2014/main" id="{F45724D4-B309-45AF-A411-534CEB52EE4E}"/>
+                <a16:creationId xmlns:a16="http://schemas.microsoft.com/office/drawing/2014/main" id="{23DA48B3-05C6-41E6-B5BE-D1346970DA2E}"/>
               </a:ext>
             </a:extLst>
           </p:cNvPr>
@@ -3674,7 +3770,10 @@
           <a:bodyPr/>
           <a:lstStyle/>
           <a:p>
-            <a:endParaRPr lang="zh-CN" altLang="en-US"/>
+            <a:r>
+              <a:rPr lang="zh-CN" altLang="en-US" dirty="0"/>
+              <a:t>系统分析</a:t>
+            </a:r>
           </a:p>
         </p:txBody>
       </p:sp>
@@ -3683,7 +3782,7 @@
           <p:cNvPr id="3" name="内容占位符 2">
             <a:extLst>
               <a:ext uri="{FF2B5EF4-FFF2-40B4-BE49-F238E27FC236}">
-                <a16:creationId xmlns:a16="http://schemas.microsoft.com/office/drawing/2014/main" id="{2FA2955C-4270-47BD-8558-8CF29BF0F1F1}"/>
+                <a16:creationId xmlns:a16="http://schemas.microsoft.com/office/drawing/2014/main" id="{C79A09AD-747D-45FD-A309-80BDCFD19F97}"/>
               </a:ext>
             </a:extLst>
           </p:cNvPr>
@@ -3699,14 +3798,169 @@
           <a:bodyPr/>
           <a:lstStyle/>
           <a:p>
-            <a:endParaRPr lang="zh-CN" altLang="en-US"/>
+            <a:pPr marL="0" indent="0">
+              <a:buNone/>
+            </a:pPr>
+            <a:r>
+              <a:rPr lang="zh-CN" altLang="en-US" dirty="0">
+                <a:solidFill>
+                  <a:prstClr val="black"/>
+                </a:solidFill>
+              </a:rPr>
+              <a:t>（</a:t>
+            </a:r>
+            <a:r>
+              <a:rPr lang="en-US" altLang="zh-CN" dirty="0">
+                <a:solidFill>
+                  <a:prstClr val="black"/>
+                </a:solidFill>
+              </a:rPr>
+              <a:t>3</a:t>
+            </a:r>
+            <a:r>
+              <a:rPr lang="zh-CN" altLang="en-US" dirty="0">
+                <a:solidFill>
+                  <a:prstClr val="black"/>
+                </a:solidFill>
+              </a:rPr>
+              <a:t>）技术可行性 </a:t>
+            </a:r>
+            <a:endParaRPr lang="en-US" altLang="zh-CN" dirty="0">
+              <a:solidFill>
+                <a:prstClr val="black"/>
+              </a:solidFill>
+            </a:endParaRPr>
+          </a:p>
+          <a:p>
+            <a:pPr marL="0" indent="0">
+              <a:buNone/>
+            </a:pPr>
+            <a:r>
+              <a:rPr lang="en-US" altLang="zh-CN" dirty="0">
+                <a:solidFill>
+                  <a:prstClr val="black"/>
+                </a:solidFill>
+              </a:rPr>
+              <a:t>        </a:t>
+            </a:r>
+            <a:r>
+              <a:rPr lang="zh-CN" altLang="en-US" dirty="0">
+                <a:solidFill>
+                  <a:prstClr val="black"/>
+                </a:solidFill>
+              </a:rPr>
+              <a:t>硬件：主流配置的计算机； </a:t>
+            </a:r>
+            <a:endParaRPr lang="en-US" altLang="zh-CN" dirty="0">
+              <a:solidFill>
+                <a:prstClr val="black"/>
+              </a:solidFill>
+            </a:endParaRPr>
+          </a:p>
+          <a:p>
+            <a:pPr marL="0" indent="0">
+              <a:buNone/>
+            </a:pPr>
+            <a:r>
+              <a:rPr lang="en-US" altLang="zh-CN" dirty="0">
+                <a:solidFill>
+                  <a:prstClr val="black"/>
+                </a:solidFill>
+              </a:rPr>
+              <a:t>        </a:t>
+            </a:r>
+            <a:r>
+              <a:rPr lang="zh-CN" altLang="en-US" dirty="0">
+                <a:solidFill>
+                  <a:prstClr val="black"/>
+                </a:solidFill>
+              </a:rPr>
+              <a:t>软件：操作系统：</a:t>
+            </a:r>
+            <a:r>
+              <a:rPr lang="en-US" altLang="zh-CN" dirty="0">
+                <a:solidFill>
+                  <a:prstClr val="black"/>
+                </a:solidFill>
+              </a:rPr>
+              <a:t>Windows7</a:t>
+            </a:r>
+            <a:r>
+              <a:rPr lang="zh-CN" altLang="en-US" dirty="0">
+                <a:solidFill>
+                  <a:prstClr val="black"/>
+                </a:solidFill>
+              </a:rPr>
+              <a:t>； </a:t>
+            </a:r>
+            <a:endParaRPr lang="en-US" altLang="zh-CN" dirty="0">
+              <a:solidFill>
+                <a:prstClr val="black"/>
+              </a:solidFill>
+            </a:endParaRPr>
+          </a:p>
+          <a:p>
+            <a:pPr marL="0" indent="0">
+              <a:buNone/>
+            </a:pPr>
+            <a:r>
+              <a:rPr lang="en-US" altLang="zh-CN" dirty="0">
+                <a:solidFill>
+                  <a:prstClr val="black"/>
+                </a:solidFill>
+              </a:rPr>
+              <a:t>                   </a:t>
+            </a:r>
+            <a:r>
+              <a:rPr lang="zh-CN" altLang="en-US" dirty="0">
+                <a:solidFill>
+                  <a:prstClr val="black"/>
+                </a:solidFill>
+              </a:rPr>
+              <a:t>开发系统语言：</a:t>
+            </a:r>
+            <a:r>
+              <a:rPr lang="en-US" altLang="zh-CN" dirty="0">
+                <a:solidFill>
+                  <a:prstClr val="black"/>
+                </a:solidFill>
+              </a:rPr>
+              <a:t>C</a:t>
+            </a:r>
+            <a:r>
+              <a:rPr lang="zh-CN" altLang="en-US" dirty="0">
+                <a:solidFill>
+                  <a:prstClr val="black"/>
+                </a:solidFill>
+              </a:rPr>
+              <a:t>语言； </a:t>
+            </a:r>
+            <a:endParaRPr lang="en-US" altLang="zh-CN" dirty="0">
+              <a:solidFill>
+                <a:prstClr val="black"/>
+              </a:solidFill>
+            </a:endParaRPr>
+          </a:p>
+          <a:p>
+            <a:pPr marL="0" indent="0">
+              <a:buNone/>
+            </a:pPr>
+            <a:r>
+              <a:rPr lang="zh-CN" altLang="en-US" dirty="0">
+                <a:solidFill>
+                  <a:prstClr val="black"/>
+                </a:solidFill>
+              </a:rPr>
+              <a:t>        硬件和软件的要求不高，系统的兼容系统，该平台的移植性能也很好，所以在系统的硬件和软件是为了满足发展的需要。系统涉及的技术因素：使用生命周期开发方法开发软件系统，本系统在开发技术上是完全可行的。</a:t>
+            </a:r>
+            <a:endParaRPr lang="zh-CN" altLang="en-US" dirty="0"/>
           </a:p>
         </p:txBody>
       </p:sp>
     </p:spTree>
     <p:extLst>
       <p:ext uri="{BB962C8B-B14F-4D97-AF65-F5344CB8AC3E}">
-        <p14:creationId xmlns:p14="http://schemas.microsoft.com/office/powerpoint/2010/main" val="2761542495"/>
+        <p14:creationId xmlns:p14="http://schemas.microsoft.com/office/powerpoint/2010/main" val="1726989664"/>
       </p:ext>
     </p:extLst>
   </p:cSld>
@@ -3738,6 +3992,555 @@
           <p:cNvPr id="2" name="标题 1">
             <a:extLst>
               <a:ext uri="{FF2B5EF4-FFF2-40B4-BE49-F238E27FC236}">
+                <a16:creationId xmlns:a16="http://schemas.microsoft.com/office/drawing/2014/main" id="{77613B1F-838A-4E4A-A568-4FD92093745C}"/>
+              </a:ext>
+            </a:extLst>
+          </p:cNvPr>
+          <p:cNvSpPr>
+            <a:spLocks noGrp="1"/>
+          </p:cNvSpPr>
+          <p:nvPr>
+            <p:ph type="title"/>
+          </p:nvPr>
+        </p:nvSpPr>
+        <p:spPr/>
+        <p:txBody>
+          <a:bodyPr/>
+          <a:lstStyle/>
+          <a:p>
+            <a:r>
+              <a:rPr lang="zh-CN" altLang="en-US" dirty="0"/>
+              <a:t>系统分析</a:t>
+            </a:r>
+          </a:p>
+        </p:txBody>
+      </p:sp>
+      <p:sp>
+        <p:nvSpPr>
+          <p:cNvPr id="3" name="内容占位符 2">
+            <a:extLst>
+              <a:ext uri="{FF2B5EF4-FFF2-40B4-BE49-F238E27FC236}">
+                <a16:creationId xmlns:a16="http://schemas.microsoft.com/office/drawing/2014/main" id="{0FAAECB0-2E1D-4E7F-8544-1D75F6A70316}"/>
+              </a:ext>
+            </a:extLst>
+          </p:cNvPr>
+          <p:cNvSpPr>
+            <a:spLocks noGrp="1"/>
+          </p:cNvSpPr>
+          <p:nvPr>
+            <p:ph idx="1"/>
+          </p:nvPr>
+        </p:nvSpPr>
+        <p:spPr/>
+        <p:txBody>
+          <a:bodyPr>
+            <a:normAutofit/>
+          </a:bodyPr>
+          <a:lstStyle/>
+          <a:p>
+            <a:pPr marL="0" indent="0">
+              <a:buNone/>
+            </a:pPr>
+            <a:r>
+              <a:rPr lang="en-US" altLang="zh-CN" b="1" dirty="0"/>
+              <a:t>1.</a:t>
+            </a:r>
+            <a:r>
+              <a:rPr lang="zh-CN" altLang="en-US" b="1" dirty="0"/>
+              <a:t>背景分析</a:t>
+            </a:r>
+            <a:endParaRPr lang="en-US" altLang="zh-CN" b="1" dirty="0"/>
+          </a:p>
+          <a:p>
+            <a:r>
+              <a:rPr lang="zh-CN" altLang="en-US" dirty="0"/>
+              <a:t>      学生成绩管理系统，是针对学校教务处的大量业务处理工作而开发的管理系统，是重要的管理系统。它是一个学校不可或缺的部分</a:t>
+            </a:r>
+            <a:r>
+              <a:rPr lang="en-US" altLang="zh-CN" dirty="0"/>
+              <a:t>,</a:t>
+            </a:r>
+            <a:r>
+              <a:rPr lang="zh-CN" altLang="en-US" dirty="0"/>
+              <a:t>拥有此类管理系统对于学校的决策者和管理者来 说都至关重要的。</a:t>
+            </a:r>
+          </a:p>
+        </p:txBody>
+      </p:sp>
+    </p:spTree>
+    <p:extLst>
+      <p:ext uri="{BB962C8B-B14F-4D97-AF65-F5344CB8AC3E}">
+        <p14:creationId xmlns:p14="http://schemas.microsoft.com/office/powerpoint/2010/main" val="469474138"/>
+      </p:ext>
+    </p:extLst>
+  </p:cSld>
+  <p:clrMapOvr>
+    <a:masterClrMapping/>
+  </p:clrMapOvr>
+</p:sld>
+</file>
+
+<file path=ppt/slides/slide14.xml><?xml version="1.0" encoding="utf-8"?>
+<p:sld xmlns:a="http://schemas.openxmlformats.org/drawingml/2006/main" xmlns:r="http://schemas.openxmlformats.org/officeDocument/2006/relationships" xmlns:p="http://schemas.openxmlformats.org/presentationml/2006/main">
+  <p:cSld>
+    <p:spTree>
+      <p:nvGrpSpPr>
+        <p:cNvPr id="1" name=""/>
+        <p:cNvGrpSpPr/>
+        <p:nvPr/>
+      </p:nvGrpSpPr>
+      <p:grpSpPr>
+        <a:xfrm>
+          <a:off x="0" y="0"/>
+          <a:ext cx="0" cy="0"/>
+          <a:chOff x="0" y="0"/>
+          <a:chExt cx="0" cy="0"/>
+        </a:xfrm>
+      </p:grpSpPr>
+      <p:sp>
+        <p:nvSpPr>
+          <p:cNvPr id="2" name="标题 1">
+            <a:extLst>
+              <a:ext uri="{FF2B5EF4-FFF2-40B4-BE49-F238E27FC236}">
+                <a16:creationId xmlns:a16="http://schemas.microsoft.com/office/drawing/2014/main" id="{18812CB9-C18C-4338-8D14-F6FBCD94903D}"/>
+              </a:ext>
+            </a:extLst>
+          </p:cNvPr>
+          <p:cNvSpPr>
+            <a:spLocks noGrp="1"/>
+          </p:cNvSpPr>
+          <p:nvPr>
+            <p:ph type="title"/>
+          </p:nvPr>
+        </p:nvSpPr>
+        <p:spPr/>
+        <p:txBody>
+          <a:bodyPr/>
+          <a:lstStyle/>
+          <a:p>
+            <a:r>
+              <a:rPr lang="zh-CN" altLang="en-US" dirty="0"/>
+              <a:t>系统分析</a:t>
+            </a:r>
+          </a:p>
+        </p:txBody>
+      </p:sp>
+      <p:sp>
+        <p:nvSpPr>
+          <p:cNvPr id="3" name="内容占位符 2">
+            <a:extLst>
+              <a:ext uri="{FF2B5EF4-FFF2-40B4-BE49-F238E27FC236}">
+                <a16:creationId xmlns:a16="http://schemas.microsoft.com/office/drawing/2014/main" id="{5533DAF4-CFB4-4BC2-80AB-721B3A2E9F61}"/>
+              </a:ext>
+            </a:extLst>
+          </p:cNvPr>
+          <p:cNvSpPr>
+            <a:spLocks noGrp="1"/>
+          </p:cNvSpPr>
+          <p:nvPr>
+            <p:ph idx="1"/>
+          </p:nvPr>
+        </p:nvSpPr>
+        <p:spPr/>
+        <p:txBody>
+          <a:bodyPr/>
+          <a:lstStyle/>
+          <a:p>
+            <a:r>
+              <a:rPr lang="en-US" altLang="zh-CN" dirty="0"/>
+              <a:t>2.</a:t>
+            </a:r>
+            <a:r>
+              <a:rPr lang="zh-CN" altLang="en-US" dirty="0"/>
+              <a:t>优劣分析</a:t>
+            </a:r>
+            <a:endParaRPr lang="en-US" altLang="zh-CN" dirty="0"/>
+          </a:p>
+          <a:p>
+            <a:r>
+              <a:rPr lang="zh-CN" altLang="en-US" dirty="0"/>
+              <a:t>它能够为学校人员提供充足的信息和快捷的 查询手段。能非常有效的帮助学校和老师掌握学生的成绩情 况，为学生提供成绩跟选课方面的查询。</a:t>
+            </a:r>
+            <a:endParaRPr lang="en-US" altLang="zh-CN" dirty="0"/>
+          </a:p>
+          <a:p>
+            <a:r>
+              <a:rPr lang="zh-CN" altLang="en-US" dirty="0"/>
+              <a:t>传统模式：人工进行学生成绩管理，效率底，保密性不好，时间一长将会产生大量的文件和数据，更加不便于查找，更新，维护等等。</a:t>
+            </a:r>
+            <a:endParaRPr lang="en-US" altLang="zh-CN" dirty="0"/>
+          </a:p>
+          <a:p>
+            <a:r>
+              <a:rPr lang="zh-CN" altLang="en-US" dirty="0"/>
+              <a:t>学生成绩管理系统：查找便捷、易修改、存储量大、保密性强、寿命高、成本低等。</a:t>
+            </a:r>
+          </a:p>
+        </p:txBody>
+      </p:sp>
+    </p:spTree>
+    <p:extLst>
+      <p:ext uri="{BB962C8B-B14F-4D97-AF65-F5344CB8AC3E}">
+        <p14:creationId xmlns:p14="http://schemas.microsoft.com/office/powerpoint/2010/main" val="2869912796"/>
+      </p:ext>
+    </p:extLst>
+  </p:cSld>
+  <p:clrMapOvr>
+    <a:masterClrMapping/>
+  </p:clrMapOvr>
+</p:sld>
+</file>
+
+<file path=ppt/slides/slide15.xml><?xml version="1.0" encoding="utf-8"?>
+<p:sld xmlns:a="http://schemas.openxmlformats.org/drawingml/2006/main" xmlns:r="http://schemas.openxmlformats.org/officeDocument/2006/relationships" xmlns:p="http://schemas.openxmlformats.org/presentationml/2006/main">
+  <p:cSld>
+    <p:spTree>
+      <p:nvGrpSpPr>
+        <p:cNvPr id="1" name=""/>
+        <p:cNvGrpSpPr/>
+        <p:nvPr/>
+      </p:nvGrpSpPr>
+      <p:grpSpPr>
+        <a:xfrm>
+          <a:off x="0" y="0"/>
+          <a:ext cx="0" cy="0"/>
+          <a:chOff x="0" y="0"/>
+          <a:chExt cx="0" cy="0"/>
+        </a:xfrm>
+      </p:grpSpPr>
+      <p:sp>
+        <p:nvSpPr>
+          <p:cNvPr id="2" name="标题 1">
+            <a:extLst>
+              <a:ext uri="{FF2B5EF4-FFF2-40B4-BE49-F238E27FC236}">
+                <a16:creationId xmlns:a16="http://schemas.microsoft.com/office/drawing/2014/main" id="{F45724D4-B309-45AF-A411-534CEB52EE4E}"/>
+              </a:ext>
+            </a:extLst>
+          </p:cNvPr>
+          <p:cNvSpPr>
+            <a:spLocks noGrp="1"/>
+          </p:cNvSpPr>
+          <p:nvPr>
+            <p:ph type="title"/>
+          </p:nvPr>
+        </p:nvSpPr>
+        <p:spPr/>
+        <p:txBody>
+          <a:bodyPr/>
+          <a:lstStyle/>
+          <a:p>
+            <a:r>
+              <a:rPr lang="zh-CN" altLang="en-US" dirty="0"/>
+              <a:t>系统分析</a:t>
+            </a:r>
+          </a:p>
+        </p:txBody>
+      </p:sp>
+      <p:sp>
+        <p:nvSpPr>
+          <p:cNvPr id="3" name="内容占位符 2">
+            <a:extLst>
+              <a:ext uri="{FF2B5EF4-FFF2-40B4-BE49-F238E27FC236}">
+                <a16:creationId xmlns:a16="http://schemas.microsoft.com/office/drawing/2014/main" id="{2FA2955C-4270-47BD-8558-8CF29BF0F1F1}"/>
+              </a:ext>
+            </a:extLst>
+          </p:cNvPr>
+          <p:cNvSpPr>
+            <a:spLocks noGrp="1"/>
+          </p:cNvSpPr>
+          <p:nvPr>
+            <p:ph idx="1"/>
+          </p:nvPr>
+        </p:nvSpPr>
+        <p:spPr/>
+        <p:txBody>
+          <a:bodyPr/>
+          <a:lstStyle/>
+          <a:p>
+            <a:r>
+              <a:rPr lang="en-US" altLang="zh-CN" b="1" dirty="0"/>
+              <a:t>3.</a:t>
+            </a:r>
+            <a:r>
+              <a:rPr lang="zh-CN" altLang="en-US" b="1" dirty="0"/>
+              <a:t>问题分析</a:t>
+            </a:r>
+            <a:endParaRPr lang="en-US" altLang="zh-CN" b="1" dirty="0"/>
+          </a:p>
+          <a:p>
+            <a:pPr marL="0" indent="0">
+              <a:buNone/>
+            </a:pPr>
+            <a:r>
+              <a:rPr lang="zh-CN" altLang="en-US" dirty="0"/>
+              <a:t>（</a:t>
+            </a:r>
+            <a:r>
+              <a:rPr lang="en-US" altLang="zh-CN" dirty="0"/>
+              <a:t>1</a:t>
+            </a:r>
+            <a:r>
+              <a:rPr lang="zh-CN" altLang="en-US" dirty="0"/>
+              <a:t>）</a:t>
+            </a:r>
+            <a:r>
+              <a:rPr lang="en-US" altLang="zh-CN" dirty="0"/>
+              <a:t>.</a:t>
+            </a:r>
+            <a:r>
+              <a:rPr lang="zh-CN" altLang="en-US" dirty="0"/>
+              <a:t>问题概述</a:t>
+            </a:r>
+            <a:endParaRPr lang="en-US" altLang="zh-CN" dirty="0"/>
+          </a:p>
+          <a:p>
+            <a:pPr marL="0" indent="0">
+              <a:buNone/>
+            </a:pPr>
+            <a:r>
+              <a:rPr lang="en-US" altLang="zh-CN" dirty="0"/>
+              <a:t>       </a:t>
+            </a:r>
+            <a:r>
+              <a:rPr lang="zh-CN" altLang="en-US" dirty="0"/>
+              <a:t>设计学生成绩管理系统，通过</a:t>
+            </a:r>
+            <a:r>
+              <a:rPr lang="en-US" altLang="zh-CN" dirty="0"/>
+              <a:t>C</a:t>
+            </a:r>
+            <a:r>
+              <a:rPr lang="zh-CN" altLang="en-US" dirty="0"/>
+              <a:t>语言程序设计学习的知识，编写一个能实现基本操作功能的实用性程序。</a:t>
+            </a:r>
+            <a:endParaRPr lang="en-US" altLang="zh-CN" dirty="0"/>
+          </a:p>
+          <a:p>
+            <a:pPr marL="0" indent="0">
+              <a:buNone/>
+            </a:pPr>
+            <a:r>
+              <a:rPr lang="zh-CN" altLang="en-US" dirty="0"/>
+              <a:t>（</a:t>
+            </a:r>
+            <a:r>
+              <a:rPr lang="en-US" altLang="zh-CN" dirty="0"/>
+              <a:t>2</a:t>
+            </a:r>
+            <a:r>
+              <a:rPr lang="zh-CN" altLang="en-US" dirty="0"/>
+              <a:t>）</a:t>
+            </a:r>
+            <a:r>
+              <a:rPr lang="en-US" altLang="zh-CN" dirty="0"/>
+              <a:t>.</a:t>
+            </a:r>
+            <a:r>
+              <a:rPr lang="zh-CN" altLang="en-US" dirty="0"/>
+              <a:t>影响</a:t>
+            </a:r>
+            <a:endParaRPr lang="en-US" altLang="zh-CN" dirty="0"/>
+          </a:p>
+          <a:p>
+            <a:pPr marL="0" indent="0">
+              <a:buNone/>
+            </a:pPr>
+            <a:r>
+              <a:rPr lang="en-US" altLang="zh-CN" dirty="0"/>
+              <a:t>       </a:t>
+            </a:r>
+            <a:r>
+              <a:rPr lang="zh-CN" altLang="en-US" dirty="0"/>
+              <a:t>学生：查找自己的有关学习信息，如学号、姓名、成绩、排名</a:t>
+            </a:r>
+            <a:endParaRPr lang="en-US" altLang="zh-CN" dirty="0"/>
+          </a:p>
+          <a:p>
+            <a:pPr marL="0" indent="0">
+              <a:buNone/>
+            </a:pPr>
+            <a:r>
+              <a:rPr lang="en-US" altLang="zh-CN" dirty="0"/>
+              <a:t>       </a:t>
+            </a:r>
+            <a:r>
+              <a:rPr lang="zh-CN" altLang="en-US" dirty="0"/>
+              <a:t>教师：了解学生的学习信息</a:t>
+            </a:r>
+            <a:endParaRPr lang="en-US" altLang="zh-CN" dirty="0"/>
+          </a:p>
+          <a:p>
+            <a:pPr marL="0" indent="0">
+              <a:buNone/>
+            </a:pPr>
+            <a:r>
+              <a:rPr lang="en-US" altLang="zh-CN" dirty="0"/>
+              <a:t>       </a:t>
+            </a:r>
+            <a:r>
+              <a:rPr lang="zh-CN" altLang="en-US" dirty="0"/>
+              <a:t>系统管理员：录入维护学生信息</a:t>
+            </a:r>
+          </a:p>
+        </p:txBody>
+      </p:sp>
+    </p:spTree>
+    <p:extLst>
+      <p:ext uri="{BB962C8B-B14F-4D97-AF65-F5344CB8AC3E}">
+        <p14:creationId xmlns:p14="http://schemas.microsoft.com/office/powerpoint/2010/main" val="2761542495"/>
+      </p:ext>
+    </p:extLst>
+  </p:cSld>
+  <p:clrMapOvr>
+    <a:masterClrMapping/>
+  </p:clrMapOvr>
+</p:sld>
+</file>
+
+<file path=ppt/slides/slide16.xml><?xml version="1.0" encoding="utf-8"?>
+<p:sld xmlns:a="http://schemas.openxmlformats.org/drawingml/2006/main" xmlns:r="http://schemas.openxmlformats.org/officeDocument/2006/relationships" xmlns:p="http://schemas.openxmlformats.org/presentationml/2006/main">
+  <p:cSld>
+    <p:spTree>
+      <p:nvGrpSpPr>
+        <p:cNvPr id="1" name=""/>
+        <p:cNvGrpSpPr/>
+        <p:nvPr/>
+      </p:nvGrpSpPr>
+      <p:grpSpPr>
+        <a:xfrm>
+          <a:off x="0" y="0"/>
+          <a:ext cx="0" cy="0"/>
+          <a:chOff x="0" y="0"/>
+          <a:chExt cx="0" cy="0"/>
+        </a:xfrm>
+      </p:grpSpPr>
+      <p:sp>
+        <p:nvSpPr>
+          <p:cNvPr id="2" name="标题 1">
+            <a:extLst>
+              <a:ext uri="{FF2B5EF4-FFF2-40B4-BE49-F238E27FC236}">
+                <a16:creationId xmlns:a16="http://schemas.microsoft.com/office/drawing/2014/main" id="{5BDD3ED7-6C0C-45EC-BB9C-CC5158D3EC71}"/>
+              </a:ext>
+            </a:extLst>
+          </p:cNvPr>
+          <p:cNvSpPr>
+            <a:spLocks noGrp="1"/>
+          </p:cNvSpPr>
+          <p:nvPr>
+            <p:ph type="title"/>
+          </p:nvPr>
+        </p:nvSpPr>
+        <p:spPr/>
+        <p:txBody>
+          <a:bodyPr/>
+          <a:lstStyle/>
+          <a:p>
+            <a:r>
+              <a:rPr lang="zh-CN" altLang="en-US" dirty="0"/>
+              <a:t>系统分析</a:t>
+            </a:r>
+          </a:p>
+        </p:txBody>
+      </p:sp>
+      <p:sp>
+        <p:nvSpPr>
+          <p:cNvPr id="3" name="内容占位符 2">
+            <a:extLst>
+              <a:ext uri="{FF2B5EF4-FFF2-40B4-BE49-F238E27FC236}">
+                <a16:creationId xmlns:a16="http://schemas.microsoft.com/office/drawing/2014/main" id="{5319A902-9E8C-4C0F-B115-3C330B895BC5}"/>
+              </a:ext>
+            </a:extLst>
+          </p:cNvPr>
+          <p:cNvSpPr>
+            <a:spLocks noGrp="1"/>
+          </p:cNvSpPr>
+          <p:nvPr>
+            <p:ph idx="1"/>
+          </p:nvPr>
+        </p:nvSpPr>
+        <p:spPr>
+          <a:xfrm>
+            <a:off x="838200" y="1912361"/>
+            <a:ext cx="10515600" cy="4351338"/>
+          </a:xfrm>
+        </p:spPr>
+        <p:txBody>
+          <a:bodyPr/>
+          <a:lstStyle/>
+          <a:p>
+            <a:r>
+              <a:rPr lang="zh-CN" altLang="en-US" dirty="0"/>
+              <a:t>（</a:t>
+            </a:r>
+            <a:r>
+              <a:rPr lang="en-US" altLang="zh-CN" dirty="0"/>
+              <a:t>3</a:t>
+            </a:r>
+            <a:r>
+              <a:rPr lang="zh-CN" altLang="en-US" dirty="0"/>
+              <a:t>）</a:t>
+            </a:r>
+            <a:r>
+              <a:rPr lang="en-US" altLang="zh-CN" dirty="0"/>
+              <a:t>.</a:t>
+            </a:r>
+            <a:r>
+              <a:rPr lang="zh-CN" altLang="en-US" dirty="0"/>
+              <a:t>优点</a:t>
+            </a:r>
+            <a:endParaRPr lang="en-US" altLang="zh-CN" dirty="0"/>
+          </a:p>
+          <a:p>
+            <a:pPr marL="0" indent="0">
+              <a:buNone/>
+            </a:pPr>
+            <a:r>
+              <a:rPr lang="en-US" altLang="zh-CN" dirty="0"/>
+              <a:t>        </a:t>
+            </a:r>
+            <a:r>
+              <a:rPr lang="zh-CN" altLang="en-US" dirty="0"/>
+              <a:t>便于学生及时了解自己的学习情况，操作简单易上手；便于教师查找学生信息，有利于班级管理，提高教学工作效率；便于信息管理人员，从纸质信息中解放出来，运行简单，操作快捷，减少人力财力的消耗。</a:t>
+            </a:r>
+            <a:endParaRPr lang="en-US" altLang="zh-CN" dirty="0"/>
+          </a:p>
+        </p:txBody>
+      </p:sp>
+    </p:spTree>
+    <p:extLst>
+      <p:ext uri="{BB962C8B-B14F-4D97-AF65-F5344CB8AC3E}">
+        <p14:creationId xmlns:p14="http://schemas.microsoft.com/office/powerpoint/2010/main" val="3783273049"/>
+      </p:ext>
+    </p:extLst>
+  </p:cSld>
+  <p:clrMapOvr>
+    <a:masterClrMapping/>
+  </p:clrMapOvr>
+</p:sld>
+</file>
+
+<file path=ppt/slides/slide17.xml><?xml version="1.0" encoding="utf-8"?>
+<p:sld xmlns:a="http://schemas.openxmlformats.org/drawingml/2006/main" xmlns:r="http://schemas.openxmlformats.org/officeDocument/2006/relationships" xmlns:p="http://schemas.openxmlformats.org/presentationml/2006/main">
+  <p:cSld>
+    <p:spTree>
+      <p:nvGrpSpPr>
+        <p:cNvPr id="1" name=""/>
+        <p:cNvGrpSpPr/>
+        <p:nvPr/>
+      </p:nvGrpSpPr>
+      <p:grpSpPr>
+        <a:xfrm>
+          <a:off x="0" y="0"/>
+          <a:ext cx="0" cy="0"/>
+          <a:chOff x="0" y="0"/>
+          <a:chExt cx="0" cy="0"/>
+        </a:xfrm>
+      </p:grpSpPr>
+      <p:sp>
+        <p:nvSpPr>
+          <p:cNvPr id="2" name="标题 1">
+            <a:extLst>
+              <a:ext uri="{FF2B5EF4-FFF2-40B4-BE49-F238E27FC236}">
                 <a16:creationId xmlns:a16="http://schemas.microsoft.com/office/drawing/2014/main" id="{4B7FE133-6928-4A55-84CF-0B8BB539678C}"/>
               </a:ext>
             </a:extLst>
@@ -3754,7 +4557,10 @@
           <a:bodyPr/>
           <a:lstStyle/>
           <a:p>
-            <a:endParaRPr lang="zh-CN" altLang="en-US"/>
+            <a:r>
+              <a:rPr lang="zh-CN" altLang="en-US" dirty="0"/>
+              <a:t>系统分析</a:t>
+            </a:r>
           </a:p>
         </p:txBody>
       </p:sp>
@@ -3779,7 +4585,73 @@
           <a:bodyPr/>
           <a:lstStyle/>
           <a:p>
-            <a:endParaRPr lang="zh-CN" altLang="en-US"/>
+            <a:r>
+              <a:rPr lang="en-US" altLang="zh-CN" dirty="0"/>
+              <a:t>4.</a:t>
+            </a:r>
+            <a:r>
+              <a:rPr lang="zh-CN" altLang="en-US" dirty="0"/>
+              <a:t>功能需求（系统必须做的事情）</a:t>
+            </a:r>
+            <a:endParaRPr lang="en-US" altLang="zh-CN" dirty="0"/>
+          </a:p>
+          <a:p>
+            <a:r>
+              <a:rPr lang="zh-CN" altLang="en-US" dirty="0"/>
+              <a:t>        经过讨论，结合平时大家的生活学习经验，以及面向同学们的调查，我们决定在程序中应该实现如下功能：</a:t>
+            </a:r>
+            <a:endParaRPr lang="en-US" altLang="zh-CN" dirty="0"/>
+          </a:p>
+          <a:p>
+            <a:pPr marL="0" indent="0">
+              <a:buNone/>
+            </a:pPr>
+            <a:r>
+              <a:rPr lang="zh-CN" altLang="en-US" dirty="0"/>
+              <a:t>（</a:t>
+            </a:r>
+            <a:r>
+              <a:rPr lang="en-US" altLang="zh-CN" dirty="0"/>
+              <a:t>1</a:t>
+            </a:r>
+            <a:r>
+              <a:rPr lang="zh-CN" altLang="en-US" dirty="0"/>
+              <a:t>）</a:t>
+            </a:r>
+            <a:r>
+              <a:rPr lang="en-US" altLang="zh-CN" dirty="0"/>
+              <a:t>.</a:t>
+            </a:r>
+            <a:r>
+              <a:rPr lang="zh-CN" altLang="en-US" dirty="0"/>
+              <a:t>分为教师系统与学生系统，区别是二者操作的权限不同</a:t>
+            </a:r>
+            <a:endParaRPr lang="en-US" altLang="zh-CN" dirty="0"/>
+          </a:p>
+          <a:p>
+            <a:pPr marL="0" indent="0">
+              <a:buNone/>
+            </a:pPr>
+            <a:r>
+              <a:rPr lang="zh-CN" altLang="en-US" dirty="0"/>
+              <a:t>（</a:t>
+            </a:r>
+            <a:r>
+              <a:rPr lang="en-US" altLang="zh-CN" dirty="0"/>
+              <a:t>2</a:t>
+            </a:r>
+            <a:r>
+              <a:rPr lang="zh-CN" altLang="en-US" dirty="0"/>
+              <a:t>）</a:t>
+            </a:r>
+            <a:r>
+              <a:rPr lang="en-US" altLang="zh-CN" dirty="0"/>
+              <a:t>.</a:t>
+            </a:r>
+            <a:r>
+              <a:rPr lang="zh-CN" altLang="en-US" dirty="0"/>
+              <a:t>学生基本信息的录入、修改、删除、查找</a:t>
+            </a:r>
           </a:p>
         </p:txBody>
       </p:sp>
@@ -3787,6 +4659,434 @@
     <p:extLst>
       <p:ext uri="{BB962C8B-B14F-4D97-AF65-F5344CB8AC3E}">
         <p14:creationId xmlns:p14="http://schemas.microsoft.com/office/powerpoint/2010/main" val="329710513"/>
+      </p:ext>
+    </p:extLst>
+  </p:cSld>
+  <p:clrMapOvr>
+    <a:masterClrMapping/>
+  </p:clrMapOvr>
+</p:sld>
+</file>
+
+<file path=ppt/slides/slide18.xml><?xml version="1.0" encoding="utf-8"?>
+<p:sld xmlns:a="http://schemas.openxmlformats.org/drawingml/2006/main" xmlns:r="http://schemas.openxmlformats.org/officeDocument/2006/relationships" xmlns:p="http://schemas.openxmlformats.org/presentationml/2006/main">
+  <p:cSld>
+    <p:spTree>
+      <p:nvGrpSpPr>
+        <p:cNvPr id="1" name=""/>
+        <p:cNvGrpSpPr/>
+        <p:nvPr/>
+      </p:nvGrpSpPr>
+      <p:grpSpPr>
+        <a:xfrm>
+          <a:off x="0" y="0"/>
+          <a:ext cx="0" cy="0"/>
+          <a:chOff x="0" y="0"/>
+          <a:chExt cx="0" cy="0"/>
+        </a:xfrm>
+      </p:grpSpPr>
+      <p:sp>
+        <p:nvSpPr>
+          <p:cNvPr id="2" name="标题 1">
+            <a:extLst>
+              <a:ext uri="{FF2B5EF4-FFF2-40B4-BE49-F238E27FC236}">
+                <a16:creationId xmlns:a16="http://schemas.microsoft.com/office/drawing/2014/main" id="{4B7FE133-6928-4A55-84CF-0B8BB539678C}"/>
+              </a:ext>
+            </a:extLst>
+          </p:cNvPr>
+          <p:cNvSpPr>
+            <a:spLocks noGrp="1"/>
+          </p:cNvSpPr>
+          <p:nvPr>
+            <p:ph type="title"/>
+          </p:nvPr>
+        </p:nvSpPr>
+        <p:spPr/>
+        <p:txBody>
+          <a:bodyPr/>
+          <a:lstStyle/>
+          <a:p>
+            <a:r>
+              <a:rPr lang="zh-CN" altLang="en-US" dirty="0"/>
+              <a:t>系统分析</a:t>
+            </a:r>
+          </a:p>
+        </p:txBody>
+      </p:sp>
+      <p:sp>
+        <p:nvSpPr>
+          <p:cNvPr id="3" name="内容占位符 2">
+            <a:extLst>
+              <a:ext uri="{FF2B5EF4-FFF2-40B4-BE49-F238E27FC236}">
+                <a16:creationId xmlns:a16="http://schemas.microsoft.com/office/drawing/2014/main" id="{741C2B36-0998-4D7D-BB54-E25A9967382B}"/>
+              </a:ext>
+            </a:extLst>
+          </p:cNvPr>
+          <p:cNvSpPr>
+            <a:spLocks noGrp="1"/>
+          </p:cNvSpPr>
+          <p:nvPr>
+            <p:ph idx="1"/>
+          </p:nvPr>
+        </p:nvSpPr>
+        <p:spPr/>
+        <p:txBody>
+          <a:bodyPr/>
+          <a:lstStyle/>
+          <a:p>
+            <a:r>
+              <a:rPr lang="en-US" altLang="zh-CN" dirty="0"/>
+              <a:t>4.</a:t>
+            </a:r>
+            <a:r>
+              <a:rPr lang="zh-CN" altLang="en-US" dirty="0"/>
+              <a:t>非功能需求（使产品具有吸引力、易用、快速或可靠的特征或属性）</a:t>
+            </a:r>
+            <a:endParaRPr lang="en-US" altLang="zh-CN" dirty="0"/>
+          </a:p>
+          <a:p>
+            <a:pPr marL="0" indent="0">
+              <a:buNone/>
+            </a:pPr>
+            <a:r>
+              <a:rPr lang="en-US" altLang="zh-CN" dirty="0"/>
+              <a:t>          </a:t>
+            </a:r>
+            <a:r>
+              <a:rPr lang="zh-CN" altLang="en-US" dirty="0"/>
+              <a:t>我们结合现在学习生活，除了常见的一些基本操作外，我们还添加了一下较有特色的功能：</a:t>
+            </a:r>
+            <a:endParaRPr lang="en-US" altLang="zh-CN" dirty="0"/>
+          </a:p>
+          <a:p>
+            <a:pPr marL="0" indent="0">
+              <a:buNone/>
+            </a:pPr>
+            <a:r>
+              <a:rPr lang="zh-CN" altLang="en-US" dirty="0"/>
+              <a:t>（</a:t>
+            </a:r>
+            <a:r>
+              <a:rPr lang="en-US" altLang="zh-CN" dirty="0"/>
+              <a:t>1</a:t>
+            </a:r>
+            <a:r>
+              <a:rPr lang="zh-CN" altLang="en-US" dirty="0"/>
+              <a:t>）</a:t>
+            </a:r>
+            <a:r>
+              <a:rPr lang="en-US" altLang="zh-CN" dirty="0"/>
+              <a:t>.</a:t>
+            </a:r>
+            <a:r>
+              <a:rPr lang="zh-CN" altLang="en-US" dirty="0"/>
+              <a:t>计算加权平均分。</a:t>
+            </a:r>
+            <a:endParaRPr lang="en-US" altLang="zh-CN" dirty="0"/>
+          </a:p>
+          <a:p>
+            <a:pPr marL="0" indent="0">
+              <a:buNone/>
+            </a:pPr>
+            <a:r>
+              <a:rPr lang="zh-CN" altLang="en-US" dirty="0"/>
+              <a:t>（</a:t>
+            </a:r>
+            <a:r>
+              <a:rPr lang="en-US" altLang="zh-CN" dirty="0"/>
+              <a:t>2</a:t>
+            </a:r>
+            <a:r>
+              <a:rPr lang="zh-CN" altLang="en-US" dirty="0"/>
+              <a:t>）</a:t>
+            </a:r>
+            <a:r>
+              <a:rPr lang="en-US" altLang="zh-CN" dirty="0"/>
+              <a:t>.</a:t>
+            </a:r>
+            <a:r>
+              <a:rPr lang="zh-CN" altLang="en-US" dirty="0"/>
+              <a:t> 支持模糊查询  。 </a:t>
+            </a:r>
+            <a:endParaRPr lang="en-US" altLang="zh-CN" dirty="0"/>
+          </a:p>
+          <a:p>
+            <a:pPr marL="0" indent="0">
+              <a:buNone/>
+            </a:pPr>
+            <a:r>
+              <a:rPr lang="zh-CN" altLang="en-US" dirty="0"/>
+              <a:t>（</a:t>
+            </a:r>
+            <a:r>
+              <a:rPr lang="en-US" altLang="zh-CN" dirty="0"/>
+              <a:t>3</a:t>
+            </a:r>
+            <a:r>
+              <a:rPr lang="zh-CN" altLang="en-US" dirty="0"/>
+              <a:t>）</a:t>
+            </a:r>
+            <a:r>
+              <a:rPr lang="en-US" altLang="zh-CN" dirty="0"/>
+              <a:t>.</a:t>
+            </a:r>
+            <a:r>
+              <a:rPr lang="zh-CN" altLang="en-US" dirty="0"/>
+              <a:t>成绩的排名操作。</a:t>
+            </a:r>
+            <a:endParaRPr lang="en-US" altLang="zh-CN" dirty="0"/>
+          </a:p>
+          <a:p>
+            <a:pPr marL="0" indent="0">
+              <a:buNone/>
+            </a:pPr>
+            <a:r>
+              <a:rPr lang="zh-CN" altLang="en-US" dirty="0"/>
+              <a:t>（</a:t>
+            </a:r>
+            <a:r>
+              <a:rPr lang="en-US" altLang="zh-CN" dirty="0"/>
+              <a:t>4</a:t>
+            </a:r>
+            <a:r>
+              <a:rPr lang="zh-CN" altLang="en-US" dirty="0"/>
+              <a:t>）</a:t>
+            </a:r>
+            <a:r>
+              <a:rPr lang="en-US" altLang="zh-CN" dirty="0"/>
+              <a:t>.</a:t>
+            </a:r>
+            <a:r>
+              <a:rPr lang="zh-CN" altLang="en-US" dirty="0"/>
+              <a:t>干净清爽的操作界面。</a:t>
+            </a:r>
+          </a:p>
+        </p:txBody>
+      </p:sp>
+    </p:spTree>
+    <p:extLst>
+      <p:ext uri="{BB962C8B-B14F-4D97-AF65-F5344CB8AC3E}">
+        <p14:creationId xmlns:p14="http://schemas.microsoft.com/office/powerpoint/2010/main" val="2545461143"/>
+      </p:ext>
+    </p:extLst>
+  </p:cSld>
+  <p:clrMapOvr>
+    <a:masterClrMapping/>
+  </p:clrMapOvr>
+</p:sld>
+</file>
+
+<file path=ppt/slides/slide19.xml><?xml version="1.0" encoding="utf-8"?>
+<p:sld xmlns:a="http://schemas.openxmlformats.org/drawingml/2006/main" xmlns:r="http://schemas.openxmlformats.org/officeDocument/2006/relationships" xmlns:p="http://schemas.openxmlformats.org/presentationml/2006/main">
+  <p:cSld>
+    <p:spTree>
+      <p:nvGrpSpPr>
+        <p:cNvPr id="1" name=""/>
+        <p:cNvGrpSpPr/>
+        <p:nvPr/>
+      </p:nvGrpSpPr>
+      <p:grpSpPr>
+        <a:xfrm>
+          <a:off x="0" y="0"/>
+          <a:ext cx="0" cy="0"/>
+          <a:chOff x="0" y="0"/>
+          <a:chExt cx="0" cy="0"/>
+        </a:xfrm>
+      </p:grpSpPr>
+      <p:sp>
+        <p:nvSpPr>
+          <p:cNvPr id="2" name="标题 1">
+            <a:extLst>
+              <a:ext uri="{FF2B5EF4-FFF2-40B4-BE49-F238E27FC236}">
+                <a16:creationId xmlns:a16="http://schemas.microsoft.com/office/drawing/2014/main" id="{4B7FE133-6928-4A55-84CF-0B8BB539678C}"/>
+              </a:ext>
+            </a:extLst>
+          </p:cNvPr>
+          <p:cNvSpPr>
+            <a:spLocks noGrp="1"/>
+          </p:cNvSpPr>
+          <p:nvPr>
+            <p:ph type="title"/>
+          </p:nvPr>
+        </p:nvSpPr>
+        <p:spPr/>
+        <p:txBody>
+          <a:bodyPr/>
+          <a:lstStyle/>
+          <a:p>
+            <a:r>
+              <a:rPr lang="zh-CN" altLang="en-US" dirty="0"/>
+              <a:t>系统分析</a:t>
+            </a:r>
+          </a:p>
+        </p:txBody>
+      </p:sp>
+      <p:sp>
+        <p:nvSpPr>
+          <p:cNvPr id="3" name="内容占位符 2">
+            <a:extLst>
+              <a:ext uri="{FF2B5EF4-FFF2-40B4-BE49-F238E27FC236}">
+                <a16:creationId xmlns:a16="http://schemas.microsoft.com/office/drawing/2014/main" id="{741C2B36-0998-4D7D-BB54-E25A9967382B}"/>
+              </a:ext>
+            </a:extLst>
+          </p:cNvPr>
+          <p:cNvSpPr>
+            <a:spLocks noGrp="1"/>
+          </p:cNvSpPr>
+          <p:nvPr>
+            <p:ph idx="1"/>
+          </p:nvPr>
+        </p:nvSpPr>
+        <p:spPr/>
+        <p:txBody>
+          <a:bodyPr/>
+          <a:lstStyle/>
+          <a:p>
+            <a:r>
+              <a:rPr lang="en-US" altLang="zh-CN" dirty="0"/>
+              <a:t>5.</a:t>
+            </a:r>
+            <a:r>
+              <a:rPr lang="zh-CN" altLang="en-US" dirty="0"/>
+              <a:t>出现的问题</a:t>
+            </a:r>
+            <a:endParaRPr lang="en-US" altLang="zh-CN" dirty="0"/>
+          </a:p>
+          <a:p>
+            <a:pPr marL="0" indent="0">
+              <a:buNone/>
+            </a:pPr>
+            <a:r>
+              <a:rPr lang="zh-CN" altLang="en-US" dirty="0"/>
+              <a:t>      （</a:t>
+            </a:r>
+            <a:r>
+              <a:rPr lang="en-US" altLang="zh-CN" dirty="0"/>
+              <a:t>1</a:t>
+            </a:r>
+            <a:r>
+              <a:rPr lang="zh-CN" altLang="en-US" dirty="0"/>
+              <a:t>）</a:t>
+            </a:r>
+            <a:r>
+              <a:rPr lang="en-US" altLang="zh-CN" dirty="0"/>
+              <a:t>.</a:t>
+            </a:r>
+            <a:r>
+              <a:rPr lang="zh-CN" altLang="en-US" dirty="0"/>
+              <a:t>删除学生信息不成功。</a:t>
+            </a:r>
+            <a:endParaRPr lang="en-US" altLang="zh-CN" dirty="0"/>
+          </a:p>
+          <a:p>
+            <a:pPr marL="0" indent="0">
+              <a:buNone/>
+            </a:pPr>
+            <a:r>
+              <a:rPr lang="en-US" altLang="zh-CN" dirty="0"/>
+              <a:t>      </a:t>
+            </a:r>
+            <a:r>
+              <a:rPr lang="zh-CN" altLang="en-US" dirty="0"/>
+              <a:t>（</a:t>
+            </a:r>
+            <a:r>
+              <a:rPr lang="en-US" altLang="zh-CN" dirty="0"/>
+              <a:t>2</a:t>
+            </a:r>
+            <a:r>
+              <a:rPr lang="zh-CN" altLang="en-US" dirty="0"/>
+              <a:t>）</a:t>
+            </a:r>
+            <a:r>
+              <a:rPr lang="en-US" altLang="zh-CN" dirty="0"/>
+              <a:t>.</a:t>
+            </a:r>
+            <a:r>
+              <a:rPr lang="zh-CN" altLang="en-US" dirty="0"/>
+              <a:t>显示结果出错。</a:t>
+            </a:r>
+            <a:endParaRPr lang="en-US" altLang="zh-CN" dirty="0"/>
+          </a:p>
+          <a:p>
+            <a:pPr marL="0" indent="0">
+              <a:buNone/>
+            </a:pPr>
+            <a:r>
+              <a:rPr lang="en-US" altLang="zh-CN" dirty="0"/>
+              <a:t>      </a:t>
+            </a:r>
+            <a:r>
+              <a:rPr lang="zh-CN" altLang="en-US" dirty="0"/>
+              <a:t>（</a:t>
+            </a:r>
+            <a:r>
+              <a:rPr lang="en-US" altLang="zh-CN" dirty="0"/>
+              <a:t>3</a:t>
+            </a:r>
+            <a:r>
+              <a:rPr lang="zh-CN" altLang="en-US" dirty="0"/>
+              <a:t>）</a:t>
+            </a:r>
+            <a:r>
+              <a:rPr lang="en-US" altLang="zh-CN" dirty="0"/>
+              <a:t>.</a:t>
+            </a:r>
+            <a:r>
+              <a:rPr lang="zh-CN" altLang="en-US" dirty="0"/>
+              <a:t>不能保存文件。</a:t>
+            </a:r>
+            <a:endParaRPr lang="en-US" altLang="zh-CN" dirty="0"/>
+          </a:p>
+          <a:p>
+            <a:pPr marL="0" indent="0">
+              <a:buNone/>
+            </a:pPr>
+            <a:r>
+              <a:rPr lang="en-US" altLang="zh-CN" dirty="0"/>
+              <a:t>      </a:t>
+            </a:r>
+            <a:r>
+              <a:rPr lang="zh-CN" altLang="en-US" dirty="0"/>
+              <a:t>（</a:t>
+            </a:r>
+            <a:r>
+              <a:rPr lang="en-US" altLang="zh-CN" dirty="0"/>
+              <a:t>4</a:t>
+            </a:r>
+            <a:r>
+              <a:rPr lang="zh-CN" altLang="en-US" dirty="0"/>
+              <a:t>）</a:t>
+            </a:r>
+            <a:r>
+              <a:rPr lang="en-US" altLang="zh-CN" dirty="0"/>
+              <a:t>.</a:t>
+            </a:r>
+            <a:r>
+              <a:rPr lang="zh-CN" altLang="en-US" dirty="0"/>
+              <a:t>不能打开文件。</a:t>
+            </a:r>
+            <a:endParaRPr lang="en-US" altLang="zh-CN" dirty="0"/>
+          </a:p>
+          <a:p>
+            <a:pPr marL="0" indent="0">
+              <a:buNone/>
+            </a:pPr>
+            <a:r>
+              <a:rPr lang="en-US" altLang="zh-CN" dirty="0"/>
+              <a:t>         …………</a:t>
+            </a:r>
+            <a:r>
+              <a:rPr lang="zh-CN" altLang="en-US" dirty="0"/>
+              <a:t> </a:t>
+            </a:r>
+          </a:p>
+        </p:txBody>
+      </p:sp>
+    </p:spTree>
+    <p:extLst>
+      <p:ext uri="{BB962C8B-B14F-4D97-AF65-F5344CB8AC3E}">
+        <p14:creationId xmlns:p14="http://schemas.microsoft.com/office/powerpoint/2010/main" val="268037856"/>
       </p:ext>
     </p:extLst>
   </p:cSld>
@@ -3973,6 +5273,86 @@
     <p:extLst>
       <p:ext uri="{BB962C8B-B14F-4D97-AF65-F5344CB8AC3E}">
         <p14:creationId xmlns:p14="http://schemas.microsoft.com/office/powerpoint/2010/main" val="1160398852"/>
+      </p:ext>
+    </p:extLst>
+  </p:cSld>
+  <p:clrMapOvr>
+    <a:masterClrMapping/>
+  </p:clrMapOvr>
+</p:sld>
+</file>
+
+<file path=ppt/slides/slide20.xml><?xml version="1.0" encoding="utf-8"?>
+<p:sld xmlns:a="http://schemas.openxmlformats.org/drawingml/2006/main" xmlns:r="http://schemas.openxmlformats.org/officeDocument/2006/relationships" xmlns:p="http://schemas.openxmlformats.org/presentationml/2006/main">
+  <p:cSld>
+    <p:spTree>
+      <p:nvGrpSpPr>
+        <p:cNvPr id="1" name=""/>
+        <p:cNvGrpSpPr/>
+        <p:nvPr/>
+      </p:nvGrpSpPr>
+      <p:grpSpPr>
+        <a:xfrm>
+          <a:off x="0" y="0"/>
+          <a:ext cx="0" cy="0"/>
+          <a:chOff x="0" y="0"/>
+          <a:chExt cx="0" cy="0"/>
+        </a:xfrm>
+      </p:grpSpPr>
+      <p:sp>
+        <p:nvSpPr>
+          <p:cNvPr id="2" name="标题 1">
+            <a:extLst>
+              <a:ext uri="{FF2B5EF4-FFF2-40B4-BE49-F238E27FC236}">
+                <a16:creationId xmlns:a16="http://schemas.microsoft.com/office/drawing/2014/main" id="{A0F14029-CA1C-464C-953F-DD211B39BE9E}"/>
+              </a:ext>
+            </a:extLst>
+          </p:cNvPr>
+          <p:cNvSpPr>
+            <a:spLocks noGrp="1"/>
+          </p:cNvSpPr>
+          <p:nvPr>
+            <p:ph type="title"/>
+          </p:nvPr>
+        </p:nvSpPr>
+        <p:spPr/>
+        <p:txBody>
+          <a:bodyPr/>
+          <a:lstStyle/>
+          <a:p>
+            <a:endParaRPr lang="zh-CN" altLang="en-US"/>
+          </a:p>
+        </p:txBody>
+      </p:sp>
+      <p:sp>
+        <p:nvSpPr>
+          <p:cNvPr id="3" name="内容占位符 2">
+            <a:extLst>
+              <a:ext uri="{FF2B5EF4-FFF2-40B4-BE49-F238E27FC236}">
+                <a16:creationId xmlns:a16="http://schemas.microsoft.com/office/drawing/2014/main" id="{3636020E-E925-4974-8B76-54542393CA38}"/>
+              </a:ext>
+            </a:extLst>
+          </p:cNvPr>
+          <p:cNvSpPr>
+            <a:spLocks noGrp="1"/>
+          </p:cNvSpPr>
+          <p:nvPr>
+            <p:ph idx="1"/>
+          </p:nvPr>
+        </p:nvSpPr>
+        <p:spPr/>
+        <p:txBody>
+          <a:bodyPr/>
+          <a:lstStyle/>
+          <a:p>
+            <a:endParaRPr lang="zh-CN" altLang="en-US"/>
+          </a:p>
+        </p:txBody>
+      </p:sp>
+    </p:spTree>
+    <p:extLst>
+      <p:ext uri="{BB962C8B-B14F-4D97-AF65-F5344CB8AC3E}">
+        <p14:creationId xmlns:p14="http://schemas.microsoft.com/office/powerpoint/2010/main" val="4187811157"/>
       </p:ext>
     </p:extLst>
   </p:cSld>
@@ -4869,7 +6249,7 @@
           <a:p>
             <a:r>
               <a:rPr lang="zh-CN" altLang="en-US" dirty="0"/>
-              <a:t>毛 ：冒泡排序</a:t>
+              <a:t>毛浚州 ：冒泡排序</a:t>
             </a:r>
             <a:endParaRPr lang="en-US" altLang="zh-CN" dirty="0"/>
           </a:p>

--- a/C语言期末作业.pptx
+++ b/C语言期末作业.pptx
@@ -4974,7 +4974,16 @@
             </a:r>
             <a:r>
               <a:rPr lang="zh-CN" altLang="en-US" dirty="0"/>
-              <a:t>删除学生信息不成功。</a:t>
+              <a:t>在数据进行输出时，数据与提示栏并不对应。</a:t>
+            </a:r>
+          </a:p>
+          <a:p>
+            <a:pPr marL="0" indent="0">
+              <a:buNone/>
+            </a:pPr>
+            <a:r>
+              <a:rPr lang="zh-CN" altLang="en-US"/>
+              <a:t>同时好像姓名不支持输入中文。</a:t>
             </a:r>
             <a:endParaRPr lang="en-US" altLang="zh-CN" dirty="0"/>
           </a:p>
@@ -4983,88 +4992,8 @@
               <a:buNone/>
             </a:pPr>
             <a:r>
-              <a:rPr lang="en-US" altLang="zh-CN" dirty="0"/>
-              <a:t>      </a:t>
-            </a:r>
-            <a:r>
-              <a:rPr lang="zh-CN" altLang="en-US" dirty="0"/>
-              <a:t>（</a:t>
-            </a:r>
-            <a:r>
-              <a:rPr lang="en-US" altLang="zh-CN" dirty="0"/>
-              <a:t>2</a:t>
-            </a:r>
-            <a:r>
-              <a:rPr lang="zh-CN" altLang="en-US" dirty="0"/>
-              <a:t>）</a:t>
-            </a:r>
-            <a:r>
-              <a:rPr lang="en-US" altLang="zh-CN" dirty="0"/>
-              <a:t>.</a:t>
-            </a:r>
-            <a:r>
-              <a:rPr lang="zh-CN" altLang="en-US" dirty="0"/>
-              <a:t>显示结果出错。</a:t>
-            </a:r>
-            <a:endParaRPr lang="en-US" altLang="zh-CN" dirty="0"/>
-          </a:p>
-          <a:p>
-            <a:pPr marL="0" indent="0">
-              <a:buNone/>
-            </a:pPr>
-            <a:r>
-              <a:rPr lang="en-US" altLang="zh-CN" dirty="0"/>
-              <a:t>      </a:t>
-            </a:r>
-            <a:r>
-              <a:rPr lang="zh-CN" altLang="en-US" dirty="0"/>
-              <a:t>（</a:t>
-            </a:r>
-            <a:r>
-              <a:rPr lang="en-US" altLang="zh-CN" dirty="0"/>
-              <a:t>3</a:t>
-            </a:r>
-            <a:r>
-              <a:rPr lang="zh-CN" altLang="en-US" dirty="0"/>
-              <a:t>）</a:t>
-            </a:r>
-            <a:r>
-              <a:rPr lang="en-US" altLang="zh-CN" dirty="0"/>
-              <a:t>.</a:t>
-            </a:r>
-            <a:r>
-              <a:rPr lang="zh-CN" altLang="en-US" dirty="0"/>
-              <a:t>不能保存文件。</a:t>
-            </a:r>
-            <a:endParaRPr lang="en-US" altLang="zh-CN" dirty="0"/>
-          </a:p>
-          <a:p>
-            <a:pPr marL="0" indent="0">
-              <a:buNone/>
-            </a:pPr>
-            <a:r>
-              <a:rPr lang="en-US" altLang="zh-CN" dirty="0"/>
-              <a:t>      </a:t>
-            </a:r>
-            <a:r>
-              <a:rPr lang="zh-CN" altLang="en-US" dirty="0"/>
-              <a:t>（</a:t>
-            </a:r>
-            <a:r>
-              <a:rPr lang="en-US" altLang="zh-CN" dirty="0"/>
-              <a:t>4</a:t>
-            </a:r>
-            <a:r>
-              <a:rPr lang="zh-CN" altLang="en-US" dirty="0"/>
-              <a:t>）</a:t>
-            </a:r>
-            <a:r>
-              <a:rPr lang="en-US" altLang="zh-CN" dirty="0"/>
-              <a:t>.</a:t>
-            </a:r>
-            <a:r>
-              <a:rPr lang="zh-CN" altLang="en-US" dirty="0"/>
-              <a:t>不能打开文件。</a:t>
+              <a:rPr lang="zh-CN" altLang="en-US" dirty="0"/>
+              <a:t>。</a:t>
             </a:r>
             <a:endParaRPr lang="en-US" altLang="zh-CN" dirty="0"/>
           </a:p>

--- a/C语言期末作业.pptx
+++ b/C语言期末作业.pptx
@@ -8,12 +8,12 @@
     <p:sldId id="256" r:id="rId2"/>
     <p:sldId id="257" r:id="rId3"/>
     <p:sldId id="258" r:id="rId4"/>
-    <p:sldId id="259" r:id="rId5"/>
-    <p:sldId id="260" r:id="rId6"/>
-    <p:sldId id="261" r:id="rId7"/>
-    <p:sldId id="262" r:id="rId8"/>
-    <p:sldId id="263" r:id="rId9"/>
-    <p:sldId id="264" r:id="rId10"/>
+    <p:sldId id="279" r:id="rId5"/>
+    <p:sldId id="259" r:id="rId6"/>
+    <p:sldId id="260" r:id="rId7"/>
+    <p:sldId id="261" r:id="rId8"/>
+    <p:sldId id="262" r:id="rId9"/>
+    <p:sldId id="263" r:id="rId10"/>
     <p:sldId id="273" r:id="rId11"/>
     <p:sldId id="274" r:id="rId12"/>
     <p:sldId id="275" r:id="rId13"/>
@@ -24,7 +24,10 @@
     <p:sldId id="268" r:id="rId18"/>
     <p:sldId id="269" r:id="rId19"/>
     <p:sldId id="270" r:id="rId20"/>
-    <p:sldId id="272" r:id="rId21"/>
+    <p:sldId id="276" r:id="rId21"/>
+    <p:sldId id="272" r:id="rId22"/>
+    <p:sldId id="277" r:id="rId23"/>
+    <p:sldId id="278" r:id="rId24"/>
   </p:sldIdLst>
   <p:sldSz cx="12192000" cy="6858000"/>
   <p:notesSz cx="6858000" cy="9144000"/>
@@ -131,12 +134,12 @@
             <p14:sldId id="256"/>
             <p14:sldId id="257"/>
             <p14:sldId id="258"/>
+            <p14:sldId id="279"/>
             <p14:sldId id="259"/>
             <p14:sldId id="260"/>
             <p14:sldId id="261"/>
             <p14:sldId id="262"/>
             <p14:sldId id="263"/>
-            <p14:sldId id="264"/>
             <p14:sldId id="273"/>
             <p14:sldId id="274"/>
             <p14:sldId id="275"/>
@@ -147,7 +150,10 @@
             <p14:sldId id="268"/>
             <p14:sldId id="269"/>
             <p14:sldId id="270"/>
+            <p14:sldId id="276"/>
             <p14:sldId id="272"/>
+            <p14:sldId id="277"/>
+            <p14:sldId id="278"/>
           </p14:sldIdLst>
         </p14:section>
       </p14:sectionLst>
@@ -4982,7 +4988,7 @@
               <a:buNone/>
             </a:pPr>
             <a:r>
-              <a:rPr lang="zh-CN" altLang="en-US"/>
+              <a:rPr lang="zh-CN" altLang="en-US" dirty="0"/>
               <a:t>同时好像姓名不支持输入中文。</a:t>
             </a:r>
             <a:endParaRPr lang="en-US" altLang="zh-CN" dirty="0"/>
@@ -4993,7 +4999,23 @@
             </a:pPr>
             <a:r>
               <a:rPr lang="zh-CN" altLang="en-US" dirty="0"/>
-              <a:t>。</a:t>
+              <a:t>      （</a:t>
+            </a:r>
+            <a:r>
+              <a:rPr lang="en-US" altLang="zh-CN" dirty="0"/>
+              <a:t>2</a:t>
+            </a:r>
+            <a:r>
+              <a:rPr lang="zh-CN" altLang="en-US" dirty="0"/>
+              <a:t>）</a:t>
+            </a:r>
+            <a:r>
+              <a:rPr lang="en-US" altLang="zh-CN" dirty="0"/>
+              <a:t>.</a:t>
+            </a:r>
+            <a:r>
+              <a:rPr lang="zh-CN" altLang="en-US" dirty="0"/>
+              <a:t>在进行数据修改时，程序会让操作者将全部数据重新输入一遍，不符常理，效率较低。</a:t>
             </a:r>
             <a:endParaRPr lang="en-US" altLang="zh-CN" dirty="0"/>
           </a:p>
@@ -5003,12 +5025,29 @@
             </a:pPr>
             <a:r>
               <a:rPr lang="en-US" altLang="zh-CN" dirty="0"/>
-              <a:t>         …………</a:t>
-            </a:r>
-            <a:r>
-              <a:rPr lang="zh-CN" altLang="en-US" dirty="0"/>
-              <a:t> </a:t>
-            </a:r>
+              <a:t>      </a:t>
+            </a:r>
+            <a:r>
+              <a:rPr lang="zh-CN" altLang="en-US" dirty="0"/>
+              <a:t>（</a:t>
+            </a:r>
+            <a:r>
+              <a:rPr lang="en-US" altLang="zh-CN" dirty="0"/>
+              <a:t>3</a:t>
+            </a:r>
+            <a:r>
+              <a:rPr lang="zh-CN" altLang="en-US" dirty="0"/>
+              <a:t>）</a:t>
+            </a:r>
+            <a:r>
+              <a:rPr lang="en-US" altLang="zh-CN" dirty="0"/>
+              <a:t>.</a:t>
+            </a:r>
+            <a:r>
+              <a:rPr lang="zh-CN" altLang="en-US" dirty="0"/>
+              <a:t>由于系统设计，用户在进行系统查询时出现的操作冗余的问题。</a:t>
+            </a:r>
+            <a:endParaRPr lang="en-US" altLang="zh-CN" dirty="0"/>
           </a:p>
         </p:txBody>
       </p:sp>
@@ -5233,6 +5272,149 @@
           <p:cNvPr id="2" name="标题 1">
             <a:extLst>
               <a:ext uri="{FF2B5EF4-FFF2-40B4-BE49-F238E27FC236}">
+                <a16:creationId xmlns:a16="http://schemas.microsoft.com/office/drawing/2014/main" id="{0DCFCE4E-FE91-49BF-9D4E-4815D9116F9D}"/>
+              </a:ext>
+            </a:extLst>
+          </p:cNvPr>
+          <p:cNvSpPr>
+            <a:spLocks noGrp="1"/>
+          </p:cNvSpPr>
+          <p:nvPr>
+            <p:ph type="title"/>
+          </p:nvPr>
+        </p:nvSpPr>
+        <p:spPr/>
+        <p:txBody>
+          <a:bodyPr>
+            <a:normAutofit fontScale="90000"/>
+          </a:bodyPr>
+          <a:lstStyle/>
+          <a:p>
+            <a:r>
+              <a:rPr lang="en-US" altLang="zh-CN" b="1" dirty="0"/>
+              <a:t>6 </a:t>
+            </a:r>
+            <a:r>
+              <a:rPr lang="zh-CN" altLang="zh-CN" b="1" dirty="0"/>
+              <a:t>总结</a:t>
+            </a:r>
+            <a:br>
+              <a:rPr lang="zh-CN" altLang="zh-CN" b="1" dirty="0"/>
+            </a:br>
+            <a:br>
+              <a:rPr lang="zh-CN" altLang="zh-CN" dirty="0"/>
+            </a:br>
+            <a:r>
+              <a:rPr lang="zh-CN" altLang="zh-CN" dirty="0"/>
+              <a:t>痛点和难点</a:t>
+            </a:r>
+            <a:br>
+              <a:rPr lang="zh-CN" altLang="zh-CN" dirty="0"/>
+            </a:br>
+            <a:br>
+              <a:rPr lang="zh-CN" altLang="zh-CN" dirty="0"/>
+            </a:br>
+            <a:endParaRPr lang="zh-CN" altLang="en-US" dirty="0"/>
+          </a:p>
+        </p:txBody>
+      </p:sp>
+      <p:sp>
+        <p:nvSpPr>
+          <p:cNvPr id="3" name="内容占位符 2">
+            <a:extLst>
+              <a:ext uri="{FF2B5EF4-FFF2-40B4-BE49-F238E27FC236}">
+                <a16:creationId xmlns:a16="http://schemas.microsoft.com/office/drawing/2014/main" id="{9BB38913-6BEB-4E95-9EAD-0F7BC1503460}"/>
+              </a:ext>
+            </a:extLst>
+          </p:cNvPr>
+          <p:cNvSpPr>
+            <a:spLocks noGrp="1"/>
+          </p:cNvSpPr>
+          <p:nvPr>
+            <p:ph idx="1"/>
+          </p:nvPr>
+        </p:nvSpPr>
+        <p:spPr/>
+        <p:txBody>
+          <a:bodyPr/>
+          <a:lstStyle/>
+          <a:p>
+            <a:r>
+              <a:rPr lang="en-US" altLang="zh-CN" dirty="0"/>
+              <a:t>1.</a:t>
+            </a:r>
+            <a:r>
+              <a:rPr lang="zh-CN" altLang="en-US" dirty="0"/>
+              <a:t>对于</a:t>
+            </a:r>
+            <a:r>
+              <a:rPr lang="en-US" altLang="zh-CN" dirty="0"/>
+              <a:t>bug</a:t>
+            </a:r>
+            <a:r>
+              <a:rPr lang="zh-CN" altLang="en-US" dirty="0"/>
+              <a:t>的修复。</a:t>
+            </a:r>
+            <a:endParaRPr lang="en-US" altLang="zh-CN" dirty="0"/>
+          </a:p>
+          <a:p>
+            <a:r>
+              <a:rPr lang="en-US" altLang="zh-CN" dirty="0"/>
+              <a:t>2.</a:t>
+            </a:r>
+            <a:r>
+              <a:rPr lang="zh-CN" altLang="en-US" dirty="0"/>
+              <a:t>由于技术储备不完善所导致的程序一些不便捷的一些操作。</a:t>
+            </a:r>
+            <a:endParaRPr lang="en-US" altLang="zh-CN" dirty="0"/>
+          </a:p>
+          <a:p>
+            <a:r>
+              <a:rPr lang="en-US" altLang="zh-CN" dirty="0"/>
+              <a:t>3.</a:t>
+            </a:r>
+            <a:r>
+              <a:rPr lang="zh-CN" altLang="en-US" dirty="0"/>
+              <a:t>由于拖延症而导致的工期的增长</a:t>
+            </a:r>
+          </a:p>
+        </p:txBody>
+      </p:sp>
+    </p:spTree>
+    <p:extLst>
+      <p:ext uri="{BB962C8B-B14F-4D97-AF65-F5344CB8AC3E}">
+        <p14:creationId xmlns:p14="http://schemas.microsoft.com/office/powerpoint/2010/main" val="2598284234"/>
+      </p:ext>
+    </p:extLst>
+  </p:cSld>
+  <p:clrMapOvr>
+    <a:masterClrMapping/>
+  </p:clrMapOvr>
+</p:sld>
+</file>
+
+<file path=ppt/slides/slide21.xml><?xml version="1.0" encoding="utf-8"?>
+<p:sld xmlns:a="http://schemas.openxmlformats.org/drawingml/2006/main" xmlns:r="http://schemas.openxmlformats.org/officeDocument/2006/relationships" xmlns:p="http://schemas.openxmlformats.org/presentationml/2006/main">
+  <p:cSld>
+    <p:spTree>
+      <p:nvGrpSpPr>
+        <p:cNvPr id="1" name=""/>
+        <p:cNvGrpSpPr/>
+        <p:nvPr/>
+      </p:nvGrpSpPr>
+      <p:grpSpPr>
+        <a:xfrm>
+          <a:off x="0" y="0"/>
+          <a:ext cx="0" cy="0"/>
+          <a:chOff x="0" y="0"/>
+          <a:chExt cx="0" cy="0"/>
+        </a:xfrm>
+      </p:grpSpPr>
+      <p:sp>
+        <p:nvSpPr>
+          <p:cNvPr id="2" name="标题 1">
+            <a:extLst>
+              <a:ext uri="{FF2B5EF4-FFF2-40B4-BE49-F238E27FC236}">
                 <a16:creationId xmlns:a16="http://schemas.microsoft.com/office/drawing/2014/main" id="{A0F14029-CA1C-464C-953F-DD211B39BE9E}"/>
               </a:ext>
             </a:extLst>
@@ -5244,12 +5426,29 @@
             <p:ph type="title"/>
           </p:nvPr>
         </p:nvSpPr>
-        <p:spPr/>
-        <p:txBody>
-          <a:bodyPr/>
-          <a:lstStyle/>
-          <a:p>
-            <a:endParaRPr lang="zh-CN" altLang="en-US"/>
+        <p:spPr>
+          <a:xfrm>
+            <a:off x="1433946" y="500062"/>
+            <a:ext cx="10515600" cy="1325563"/>
+          </a:xfrm>
+        </p:spPr>
+        <p:txBody>
+          <a:bodyPr/>
+          <a:lstStyle/>
+          <a:p>
+            <a:r>
+              <a:rPr lang="zh-CN" altLang="zh-CN" dirty="0"/>
+              <a:t>学到了什么</a:t>
+            </a:r>
+            <a:r>
+              <a:rPr lang="zh-CN" altLang="en-US" dirty="0"/>
+              <a:t>以及</a:t>
+            </a:r>
+            <a:r>
+              <a:rPr lang="zh-CN" altLang="zh-CN" dirty="0"/>
+              <a:t>如何与他人合作？</a:t>
+            </a:r>
+            <a:endParaRPr lang="zh-CN" altLang="en-US" dirty="0"/>
           </a:p>
         </p:txBody>
       </p:sp>
@@ -5269,19 +5468,328 @@
             <p:ph idx="1"/>
           </p:nvPr>
         </p:nvSpPr>
-        <p:spPr/>
-        <p:txBody>
-          <a:bodyPr/>
-          <a:lstStyle/>
-          <a:p>
-            <a:endParaRPr lang="zh-CN" altLang="en-US"/>
-          </a:p>
-        </p:txBody>
-      </p:sp>
+        <p:spPr>
+          <a:xfrm>
+            <a:off x="1433946" y="2006600"/>
+            <a:ext cx="2961443" cy="4351338"/>
+          </a:xfrm>
+        </p:spPr>
+        <p:txBody>
+          <a:bodyPr>
+            <a:normAutofit lnSpcReduction="10000"/>
+          </a:bodyPr>
+          <a:lstStyle/>
+          <a:p>
+            <a:r>
+              <a:rPr lang="en-US" altLang="zh-CN" sz="3200" dirty="0"/>
+              <a:t>1.</a:t>
+            </a:r>
+            <a:r>
+              <a:rPr lang="zh-CN" altLang="en-US" sz="3200" dirty="0"/>
+              <a:t>为了防止咕咕咕，我们小组准备了项目日志。</a:t>
+            </a:r>
+            <a:endParaRPr lang="en-US" altLang="zh-CN" sz="3200" dirty="0"/>
+          </a:p>
+          <a:p>
+            <a:pPr marL="0" indent="0">
+              <a:buNone/>
+            </a:pPr>
+            <a:r>
+              <a:rPr lang="en-US" altLang="zh-CN" sz="3200" dirty="0"/>
+              <a:t>   </a:t>
+            </a:r>
+            <a:r>
+              <a:rPr lang="zh-CN" altLang="en-US" sz="3200" dirty="0"/>
+              <a:t>小组成员将自己的实时进度写到项目日志里并上传到</a:t>
+            </a:r>
+            <a:r>
+              <a:rPr lang="en-US" altLang="zh-CN" sz="3200" dirty="0" err="1"/>
+              <a:t>github</a:t>
+            </a:r>
+            <a:r>
+              <a:rPr lang="zh-CN" altLang="en-US" sz="3200" dirty="0"/>
+              <a:t>中</a:t>
+            </a:r>
+            <a:endParaRPr lang="en-US" altLang="zh-CN" sz="3200" dirty="0"/>
+          </a:p>
+          <a:p>
+            <a:r>
+              <a:rPr lang="en-US" altLang="zh-CN" sz="3200" dirty="0"/>
+              <a:t> </a:t>
+            </a:r>
+          </a:p>
+          <a:p>
+            <a:endParaRPr lang="en-US" altLang="zh-CN" dirty="0"/>
+          </a:p>
+          <a:p>
+            <a:endParaRPr lang="en-US" altLang="zh-CN" dirty="0"/>
+          </a:p>
+          <a:p>
+            <a:endParaRPr lang="en-US" altLang="zh-CN" dirty="0"/>
+          </a:p>
+        </p:txBody>
+      </p:sp>
+      <p:pic>
+        <p:nvPicPr>
+          <p:cNvPr id="4" name="图片 3">
+            <a:extLst>
+              <a:ext uri="{FF2B5EF4-FFF2-40B4-BE49-F238E27FC236}">
+                <a16:creationId xmlns:a16="http://schemas.microsoft.com/office/drawing/2014/main" id="{BAD118E9-2C46-4DC4-B215-5B25479D3872}"/>
+              </a:ext>
+            </a:extLst>
+          </p:cNvPr>
+          <p:cNvPicPr>
+            <a:picLocks noChangeAspect="1"/>
+          </p:cNvPicPr>
+          <p:nvPr/>
+        </p:nvPicPr>
+        <p:blipFill>
+          <a:blip r:embed="rId2"/>
+          <a:stretch>
+            <a:fillRect/>
+          </a:stretch>
+        </p:blipFill>
+        <p:spPr>
+          <a:xfrm>
+            <a:off x="5284319" y="1328136"/>
+            <a:ext cx="5927439" cy="5346315"/>
+          </a:xfrm>
+          <a:prstGeom prst="rect">
+            <a:avLst/>
+          </a:prstGeom>
+        </p:spPr>
+      </p:pic>
     </p:spTree>
     <p:extLst>
       <p:ext uri="{BB962C8B-B14F-4D97-AF65-F5344CB8AC3E}">
         <p14:creationId xmlns:p14="http://schemas.microsoft.com/office/powerpoint/2010/main" val="4187811157"/>
+      </p:ext>
+    </p:extLst>
+  </p:cSld>
+  <p:clrMapOvr>
+    <a:masterClrMapping/>
+  </p:clrMapOvr>
+</p:sld>
+</file>
+
+<file path=ppt/slides/slide22.xml><?xml version="1.0" encoding="utf-8"?>
+<p:sld xmlns:a="http://schemas.openxmlformats.org/drawingml/2006/main" xmlns:r="http://schemas.openxmlformats.org/officeDocument/2006/relationships" xmlns:p="http://schemas.openxmlformats.org/presentationml/2006/main">
+  <p:cSld>
+    <p:spTree>
+      <p:nvGrpSpPr>
+        <p:cNvPr id="1" name=""/>
+        <p:cNvGrpSpPr/>
+        <p:nvPr/>
+      </p:nvGrpSpPr>
+      <p:grpSpPr>
+        <a:xfrm>
+          <a:off x="0" y="0"/>
+          <a:ext cx="0" cy="0"/>
+          <a:chOff x="0" y="0"/>
+          <a:chExt cx="0" cy="0"/>
+        </a:xfrm>
+      </p:grpSpPr>
+      <p:sp>
+        <p:nvSpPr>
+          <p:cNvPr id="2" name="标题 1">
+            <a:extLst>
+              <a:ext uri="{FF2B5EF4-FFF2-40B4-BE49-F238E27FC236}">
+                <a16:creationId xmlns:a16="http://schemas.microsoft.com/office/drawing/2014/main" id="{A4AE9AC2-C80D-484F-8EC1-929695185D8A}"/>
+              </a:ext>
+            </a:extLst>
+          </p:cNvPr>
+          <p:cNvSpPr>
+            <a:spLocks noGrp="1"/>
+          </p:cNvSpPr>
+          <p:nvPr>
+            <p:ph type="title"/>
+          </p:nvPr>
+        </p:nvSpPr>
+        <p:spPr/>
+        <p:txBody>
+          <a:bodyPr/>
+          <a:lstStyle/>
+          <a:p>
+            <a:r>
+              <a:rPr lang="zh-CN" altLang="zh-CN" dirty="0"/>
+              <a:t>学到了什么</a:t>
+            </a:r>
+            <a:r>
+              <a:rPr lang="zh-CN" altLang="en-US" dirty="0"/>
+              <a:t>以及</a:t>
+            </a:r>
+            <a:r>
+              <a:rPr lang="zh-CN" altLang="zh-CN" dirty="0"/>
+              <a:t>如何与他人合作？</a:t>
+            </a:r>
+            <a:endParaRPr lang="zh-CN" altLang="en-US" dirty="0"/>
+          </a:p>
+        </p:txBody>
+      </p:sp>
+      <p:sp>
+        <p:nvSpPr>
+          <p:cNvPr id="3" name="内容占位符 2">
+            <a:extLst>
+              <a:ext uri="{FF2B5EF4-FFF2-40B4-BE49-F238E27FC236}">
+                <a16:creationId xmlns:a16="http://schemas.microsoft.com/office/drawing/2014/main" id="{D9720554-07D3-483D-BB71-52F6C1819C12}"/>
+              </a:ext>
+            </a:extLst>
+          </p:cNvPr>
+          <p:cNvSpPr>
+            <a:spLocks noGrp="1"/>
+          </p:cNvSpPr>
+          <p:nvPr>
+            <p:ph idx="1"/>
+          </p:nvPr>
+        </p:nvSpPr>
+        <p:spPr>
+          <a:xfrm>
+            <a:off x="838200" y="1825625"/>
+            <a:ext cx="2579703" cy="4351338"/>
+          </a:xfrm>
+        </p:spPr>
+        <p:txBody>
+          <a:bodyPr/>
+          <a:lstStyle/>
+          <a:p>
+            <a:r>
+              <a:rPr lang="en-US" altLang="zh-CN" sz="3200" dirty="0"/>
+              <a:t>2.</a:t>
+            </a:r>
+            <a:r>
+              <a:rPr lang="zh-CN" altLang="en-US" sz="3200" dirty="0"/>
+              <a:t>为了使得测试更有条理，准备了项目测试日志来记录我们测试我们程序时所出现的问题。</a:t>
+            </a:r>
+          </a:p>
+          <a:p>
+            <a:endParaRPr lang="zh-CN" altLang="en-US" dirty="0"/>
+          </a:p>
+        </p:txBody>
+      </p:sp>
+      <p:pic>
+        <p:nvPicPr>
+          <p:cNvPr id="4" name="图片 3">
+            <a:extLst>
+              <a:ext uri="{FF2B5EF4-FFF2-40B4-BE49-F238E27FC236}">
+                <a16:creationId xmlns:a16="http://schemas.microsoft.com/office/drawing/2014/main" id="{834073DA-2803-40C9-B04F-ABEE48C0E758}"/>
+              </a:ext>
+            </a:extLst>
+          </p:cNvPr>
+          <p:cNvPicPr>
+            <a:picLocks noChangeAspect="1"/>
+          </p:cNvPicPr>
+          <p:nvPr/>
+        </p:nvPicPr>
+        <p:blipFill>
+          <a:blip r:embed="rId2"/>
+          <a:stretch>
+            <a:fillRect/>
+          </a:stretch>
+        </p:blipFill>
+        <p:spPr>
+          <a:xfrm>
+            <a:off x="4281983" y="1690688"/>
+            <a:ext cx="6264689" cy="4466967"/>
+          </a:xfrm>
+          <a:prstGeom prst="rect">
+            <a:avLst/>
+          </a:prstGeom>
+        </p:spPr>
+      </p:pic>
+    </p:spTree>
+    <p:extLst>
+      <p:ext uri="{BB962C8B-B14F-4D97-AF65-F5344CB8AC3E}">
+        <p14:creationId xmlns:p14="http://schemas.microsoft.com/office/powerpoint/2010/main" val="3648639378"/>
+      </p:ext>
+    </p:extLst>
+  </p:cSld>
+  <p:clrMapOvr>
+    <a:masterClrMapping/>
+  </p:clrMapOvr>
+</p:sld>
+</file>
+
+<file path=ppt/slides/slide23.xml><?xml version="1.0" encoding="utf-8"?>
+<p:sld xmlns:a="http://schemas.openxmlformats.org/drawingml/2006/main" xmlns:r="http://schemas.openxmlformats.org/officeDocument/2006/relationships" xmlns:p="http://schemas.openxmlformats.org/presentationml/2006/main">
+  <p:cSld>
+    <p:spTree>
+      <p:nvGrpSpPr>
+        <p:cNvPr id="1" name=""/>
+        <p:cNvGrpSpPr/>
+        <p:nvPr/>
+      </p:nvGrpSpPr>
+      <p:grpSpPr>
+        <a:xfrm>
+          <a:off x="0" y="0"/>
+          <a:ext cx="0" cy="0"/>
+          <a:chOff x="0" y="0"/>
+          <a:chExt cx="0" cy="0"/>
+        </a:xfrm>
+      </p:grpSpPr>
+      <p:sp>
+        <p:nvSpPr>
+          <p:cNvPr id="2" name="标题 1">
+            <a:extLst>
+              <a:ext uri="{FF2B5EF4-FFF2-40B4-BE49-F238E27FC236}">
+                <a16:creationId xmlns:a16="http://schemas.microsoft.com/office/drawing/2014/main" id="{D43E8344-8869-4805-BDAA-685A56D093CC}"/>
+              </a:ext>
+            </a:extLst>
+          </p:cNvPr>
+          <p:cNvSpPr>
+            <a:spLocks noGrp="1"/>
+          </p:cNvSpPr>
+          <p:nvPr>
+            <p:ph type="title"/>
+          </p:nvPr>
+        </p:nvSpPr>
+        <p:spPr>
+          <a:xfrm>
+            <a:off x="1184563" y="500062"/>
+            <a:ext cx="10515600" cy="1325563"/>
+          </a:xfrm>
+        </p:spPr>
+        <p:txBody>
+          <a:bodyPr/>
+          <a:lstStyle/>
+          <a:p>
+            <a:endParaRPr lang="zh-CN" altLang="en-US" dirty="0"/>
+          </a:p>
+        </p:txBody>
+      </p:sp>
+      <p:sp>
+        <p:nvSpPr>
+          <p:cNvPr id="3" name="内容占位符 2">
+            <a:extLst>
+              <a:ext uri="{FF2B5EF4-FFF2-40B4-BE49-F238E27FC236}">
+                <a16:creationId xmlns:a16="http://schemas.microsoft.com/office/drawing/2014/main" id="{DB0A2868-FB36-40BF-ACD5-D323844EF700}"/>
+              </a:ext>
+            </a:extLst>
+          </p:cNvPr>
+          <p:cNvSpPr>
+            <a:spLocks noGrp="1"/>
+          </p:cNvSpPr>
+          <p:nvPr>
+            <p:ph idx="1"/>
+          </p:nvPr>
+        </p:nvSpPr>
+        <p:spPr>
+          <a:xfrm>
+            <a:off x="1184563" y="1864014"/>
+            <a:ext cx="10515600" cy="4351338"/>
+          </a:xfrm>
+        </p:spPr>
+        <p:txBody>
+          <a:bodyPr/>
+          <a:lstStyle/>
+          <a:p>
+            <a:endParaRPr lang="zh-CN" altLang="en-US" dirty="0"/>
+          </a:p>
+        </p:txBody>
+      </p:sp>
+    </p:spTree>
+    <p:extLst>
+      <p:ext uri="{BB962C8B-B14F-4D97-AF65-F5344CB8AC3E}">
+        <p14:creationId xmlns:p14="http://schemas.microsoft.com/office/powerpoint/2010/main" val="1554303982"/>
       </p:ext>
     </p:extLst>
   </p:cSld>
@@ -5431,7 +5939,7 @@
           <p:cNvPr id="2" name="标题 1">
             <a:extLst>
               <a:ext uri="{FF2B5EF4-FFF2-40B4-BE49-F238E27FC236}">
-                <a16:creationId xmlns:a16="http://schemas.microsoft.com/office/drawing/2014/main" id="{1B76CCC1-3B0B-4094-8413-A5DE45867828}"/>
+                <a16:creationId xmlns:a16="http://schemas.microsoft.com/office/drawing/2014/main" id="{31688727-6991-4390-B77E-2A5FE6856A76}"/>
               </a:ext>
             </a:extLst>
           </p:cNvPr>
@@ -5444,7 +5952,7 @@
         </p:nvSpPr>
         <p:spPr>
           <a:xfrm>
-            <a:off x="1433946" y="516081"/>
+            <a:off x="838200" y="500062"/>
             <a:ext cx="10515600" cy="1325563"/>
           </a:xfrm>
         </p:spPr>
@@ -5453,86 +5961,51 @@
           <a:lstStyle/>
           <a:p>
             <a:r>
-              <a:rPr lang="en-US" altLang="zh-CN" dirty="0"/>
-              <a:t>TO B</a:t>
-            </a:r>
-            <a:r>
-              <a:rPr lang="zh-CN" altLang="en-US" dirty="0"/>
-              <a:t>端</a:t>
-            </a:r>
-          </a:p>
-        </p:txBody>
-      </p:sp>
-      <p:sp>
-        <p:nvSpPr>
-          <p:cNvPr id="3" name="内容占位符 2">
-            <a:extLst>
-              <a:ext uri="{FF2B5EF4-FFF2-40B4-BE49-F238E27FC236}">
-                <a16:creationId xmlns:a16="http://schemas.microsoft.com/office/drawing/2014/main" id="{67F7BD51-C694-4A77-BFF9-59014A4AC9D6}"/>
-              </a:ext>
-            </a:extLst>
-          </p:cNvPr>
-          <p:cNvSpPr>
-            <a:spLocks noGrp="1"/>
-          </p:cNvSpPr>
+              <a:rPr lang="zh-CN" altLang="en-US" dirty="0"/>
+              <a:t>     用例图  </a:t>
+            </a:r>
+          </a:p>
+        </p:txBody>
+      </p:sp>
+      <p:pic>
+        <p:nvPicPr>
+          <p:cNvPr id="5" name="内容占位符 4">
+            <a:extLst>
+              <a:ext uri="{FF2B5EF4-FFF2-40B4-BE49-F238E27FC236}">
+                <a16:creationId xmlns:a16="http://schemas.microsoft.com/office/drawing/2014/main" id="{4AD67D5A-F775-495D-AAA8-6A57075A3EBE}"/>
+              </a:ext>
+            </a:extLst>
+          </p:cNvPr>
+          <p:cNvPicPr>
+            <a:picLocks noGrp="1" noChangeAspect="1"/>
+          </p:cNvPicPr>
           <p:nvPr>
             <p:ph idx="1"/>
           </p:nvPr>
-        </p:nvSpPr>
+        </p:nvPicPr>
+        <p:blipFill>
+          <a:blip r:embed="rId2">
+            <a:extLst>
+              <a:ext uri="{28A0092B-C50C-407E-A947-70E740481C1C}">
+                <a14:useLocalDpi xmlns:a14="http://schemas.microsoft.com/office/drawing/2010/main" val="0"/>
+              </a:ext>
+            </a:extLst>
+          </a:blip>
+          <a:stretch>
+            <a:fillRect/>
+          </a:stretch>
+        </p:blipFill>
         <p:spPr>
           <a:xfrm>
-            <a:off x="1253837" y="1841644"/>
-            <a:ext cx="10515600" cy="4351338"/>
+            <a:off x="1860838" y="1659009"/>
+            <a:ext cx="8470323" cy="5048695"/>
           </a:xfrm>
         </p:spPr>
-        <p:txBody>
-          <a:bodyPr/>
-          <a:lstStyle/>
-          <a:p>
-            <a:pPr marL="0" indent="0">
-              <a:buNone/>
-            </a:pPr>
-            <a:r>
-              <a:rPr lang="zh-CN" altLang="en-US" dirty="0"/>
-              <a:t>教务处对学生成绩的具体操作</a:t>
-            </a:r>
-            <a:endParaRPr lang="en-US" altLang="zh-CN" dirty="0"/>
-          </a:p>
-          <a:p>
-            <a:pPr marL="0" indent="0">
-              <a:buNone/>
-            </a:pPr>
-            <a:r>
-              <a:rPr lang="zh-CN" altLang="en-US" dirty="0"/>
-              <a:t>一，通过文本文件实现对学生文件的存储。</a:t>
-            </a:r>
-            <a:endParaRPr lang="en-US" altLang="zh-CN" dirty="0"/>
-          </a:p>
-          <a:p>
-            <a:pPr marL="0" indent="0">
-              <a:buNone/>
-            </a:pPr>
-            <a:r>
-              <a:rPr lang="zh-CN" altLang="en-US" dirty="0"/>
-              <a:t>二，在程序中实现对学生具体信息的查找与修改。</a:t>
-            </a:r>
-            <a:endParaRPr lang="en-US" altLang="zh-CN" dirty="0"/>
-          </a:p>
-          <a:p>
-            <a:pPr marL="0" indent="0">
-              <a:buNone/>
-            </a:pPr>
-            <a:r>
-              <a:rPr lang="zh-CN" altLang="en-US" dirty="0"/>
-              <a:t>三，通过文本文件实现对学生成绩的读取</a:t>
-            </a:r>
-          </a:p>
-        </p:txBody>
-      </p:sp>
+      </p:pic>
     </p:spTree>
     <p:extLst>
       <p:ext uri="{BB962C8B-B14F-4D97-AF65-F5344CB8AC3E}">
-        <p14:creationId xmlns:p14="http://schemas.microsoft.com/office/powerpoint/2010/main" val="4090510776"/>
+        <p14:creationId xmlns:p14="http://schemas.microsoft.com/office/powerpoint/2010/main" val="861522530"/>
       </p:ext>
     </p:extLst>
   </p:cSld>
@@ -5564,7 +6037,7 @@
           <p:cNvPr id="2" name="标题 1">
             <a:extLst>
               <a:ext uri="{FF2B5EF4-FFF2-40B4-BE49-F238E27FC236}">
-                <a16:creationId xmlns:a16="http://schemas.microsoft.com/office/drawing/2014/main" id="{E63829FD-27E9-42D9-8121-125C7D99CB68}"/>
+                <a16:creationId xmlns:a16="http://schemas.microsoft.com/office/drawing/2014/main" id="{1B76CCC1-3B0B-4094-8413-A5DE45867828}"/>
               </a:ext>
             </a:extLst>
           </p:cNvPr>
@@ -5577,7 +6050,7 @@
         </p:nvSpPr>
         <p:spPr>
           <a:xfrm>
-            <a:off x="1530928" y="500062"/>
+            <a:off x="1433946" y="516081"/>
             <a:ext cx="10515600" cy="1325563"/>
           </a:xfrm>
         </p:spPr>
@@ -5587,7 +6060,7 @@
           <a:p>
             <a:r>
               <a:rPr lang="en-US" altLang="zh-CN" dirty="0"/>
-              <a:t>TO C</a:t>
+              <a:t>TO B</a:t>
             </a:r>
             <a:r>
               <a:rPr lang="zh-CN" altLang="en-US" dirty="0"/>
@@ -5601,7 +6074,7 @@
           <p:cNvPr id="3" name="内容占位符 2">
             <a:extLst>
               <a:ext uri="{FF2B5EF4-FFF2-40B4-BE49-F238E27FC236}">
-                <a16:creationId xmlns:a16="http://schemas.microsoft.com/office/drawing/2014/main" id="{D693DE7B-49C4-44CB-B1E2-A3A28171C0DA}"/>
+                <a16:creationId xmlns:a16="http://schemas.microsoft.com/office/drawing/2014/main" id="{67F7BD51-C694-4A77-BFF9-59014A4AC9D6}"/>
               </a:ext>
             </a:extLst>
           </p:cNvPr>
@@ -5612,7 +6085,12 @@
             <p:ph idx="1"/>
           </p:nvPr>
         </p:nvSpPr>
-        <p:spPr/>
+        <p:spPr>
+          <a:xfrm>
+            <a:off x="1253837" y="1841644"/>
+            <a:ext cx="10515600" cy="4351338"/>
+          </a:xfrm>
+        </p:spPr>
         <p:txBody>
           <a:bodyPr/>
           <a:lstStyle/>
@@ -5622,7 +6100,7 @@
             </a:pPr>
             <a:r>
               <a:rPr lang="zh-CN" altLang="en-US" dirty="0"/>
-              <a:t>学生对学生成绩的具体操作</a:t>
+              <a:t>教务处对学生成绩的具体操作</a:t>
             </a:r>
             <a:endParaRPr lang="en-US" altLang="zh-CN" dirty="0"/>
           </a:p>
@@ -5632,7 +6110,7 @@
             </a:pPr>
             <a:r>
               <a:rPr lang="zh-CN" altLang="en-US" dirty="0"/>
-              <a:t>一，对学生成绩的查询</a:t>
+              <a:t>一，通过文本文件实现对学生文件的存储。</a:t>
             </a:r>
             <a:endParaRPr lang="en-US" altLang="zh-CN" dirty="0"/>
           </a:p>
@@ -5642,7 +6120,7 @@
             </a:pPr>
             <a:r>
               <a:rPr lang="zh-CN" altLang="en-US" dirty="0"/>
-              <a:t>二，对自己名次的认知</a:t>
+              <a:t>二，在程序中实现对学生具体信息的查找与修改。</a:t>
             </a:r>
             <a:endParaRPr lang="en-US" altLang="zh-CN" dirty="0"/>
           </a:p>
@@ -5652,7 +6130,7 @@
             </a:pPr>
             <a:r>
               <a:rPr lang="zh-CN" altLang="en-US" dirty="0"/>
-              <a:t>三，对自己绩点已经加权平均分的认识</a:t>
+              <a:t>三，通过文本文件实现对学生成绩的读取。其中包括对学生信息的排序。</a:t>
             </a:r>
           </a:p>
         </p:txBody>
@@ -5660,7 +6138,7 @@
     </p:spTree>
     <p:extLst>
       <p:ext uri="{BB962C8B-B14F-4D97-AF65-F5344CB8AC3E}">
-        <p14:creationId xmlns:p14="http://schemas.microsoft.com/office/powerpoint/2010/main" val="1952629233"/>
+        <p14:creationId xmlns:p14="http://schemas.microsoft.com/office/powerpoint/2010/main" val="4090510776"/>
       </p:ext>
     </p:extLst>
   </p:cSld>
@@ -5692,7 +6170,7 @@
           <p:cNvPr id="2" name="标题 1">
             <a:extLst>
               <a:ext uri="{FF2B5EF4-FFF2-40B4-BE49-F238E27FC236}">
-                <a16:creationId xmlns:a16="http://schemas.microsoft.com/office/drawing/2014/main" id="{1844E394-86D7-4A14-8191-B7E9C341E1A2}"/>
+                <a16:creationId xmlns:a16="http://schemas.microsoft.com/office/drawing/2014/main" id="{E63829FD-27E9-42D9-8121-125C7D99CB68}"/>
               </a:ext>
             </a:extLst>
           </p:cNvPr>
@@ -5701,63 +6179,105 @@
           </p:cNvSpPr>
           <p:nvPr>
             <p:ph type="title"/>
-          </p:nvPr>
-        </p:nvSpPr>
-        <p:spPr/>
-        <p:txBody>
-          <a:bodyPr/>
-          <a:lstStyle/>
-          <a:p>
-            <a:endParaRPr lang="zh-CN" altLang="en-US" dirty="0"/>
-          </a:p>
-        </p:txBody>
-      </p:sp>
-      <p:sp>
-        <p:nvSpPr>
-          <p:cNvPr id="3" name="内容占位符 2">
-            <a:extLst>
-              <a:ext uri="{FF2B5EF4-FFF2-40B4-BE49-F238E27FC236}">
-                <a16:creationId xmlns:a16="http://schemas.microsoft.com/office/drawing/2014/main" id="{DAA8C1BF-0D39-4970-B685-DBEF1C4CD906}"/>
-              </a:ext>
-            </a:extLst>
-          </p:cNvPr>
-          <p:cNvSpPr>
-            <a:spLocks noGrp="1"/>
-          </p:cNvSpPr>
-          <p:nvPr>
-            <p:ph idx="1"/>
           </p:nvPr>
         </p:nvSpPr>
         <p:spPr>
           <a:xfrm>
-            <a:off x="1239982" y="1991880"/>
-            <a:ext cx="10515600" cy="4351338"/>
+            <a:off x="1530928" y="500062"/>
+            <a:ext cx="10515600" cy="1325563"/>
           </a:xfrm>
         </p:spPr>
         <p:txBody>
-          <a:bodyPr>
-            <a:normAutofit/>
-          </a:bodyPr>
-          <a:lstStyle/>
-          <a:p>
-            <a:r>
-              <a:rPr lang="zh-CN" altLang="en-US" sz="4400" dirty="0"/>
-              <a:t>那就开干吧！！！！！</a:t>
-            </a:r>
-            <a:endParaRPr lang="en-US" altLang="zh-CN" sz="4400" dirty="0"/>
-          </a:p>
-          <a:p>
-            <a:r>
-              <a:rPr lang="zh-CN" altLang="en-US" sz="4400" dirty="0"/>
-              <a:t>奥利给！！！</a:t>
-            </a:r>
+          <a:bodyPr/>
+          <a:lstStyle/>
+          <a:p>
+            <a:r>
+              <a:rPr lang="en-US" altLang="zh-CN" dirty="0"/>
+              <a:t>TO C</a:t>
+            </a:r>
+            <a:r>
+              <a:rPr lang="zh-CN" altLang="en-US" dirty="0"/>
+              <a:t>端</a:t>
+            </a:r>
+          </a:p>
+        </p:txBody>
+      </p:sp>
+      <p:sp>
+        <p:nvSpPr>
+          <p:cNvPr id="3" name="内容占位符 2">
+            <a:extLst>
+              <a:ext uri="{FF2B5EF4-FFF2-40B4-BE49-F238E27FC236}">
+                <a16:creationId xmlns:a16="http://schemas.microsoft.com/office/drawing/2014/main" id="{D693DE7B-49C4-44CB-B1E2-A3A28171C0DA}"/>
+              </a:ext>
+            </a:extLst>
+          </p:cNvPr>
+          <p:cNvSpPr>
+            <a:spLocks noGrp="1"/>
+          </p:cNvSpPr>
+          <p:nvPr>
+            <p:ph idx="1"/>
+          </p:nvPr>
+        </p:nvSpPr>
+        <p:spPr/>
+        <p:txBody>
+          <a:bodyPr/>
+          <a:lstStyle/>
+          <a:p>
+            <a:pPr marL="0" indent="0">
+              <a:buNone/>
+            </a:pPr>
+            <a:r>
+              <a:rPr lang="zh-CN" altLang="en-US" dirty="0"/>
+              <a:t>学生对学生成绩的具体操作</a:t>
+            </a:r>
+            <a:endParaRPr lang="en-US" altLang="zh-CN" dirty="0"/>
+          </a:p>
+          <a:p>
+            <a:pPr marL="0" indent="0">
+              <a:buNone/>
+            </a:pPr>
+            <a:r>
+              <a:rPr lang="zh-CN" altLang="en-US" dirty="0"/>
+              <a:t>一，对学生成绩的查询</a:t>
+            </a:r>
+            <a:r>
+              <a:rPr lang="en-US" altLang="zh-CN" dirty="0"/>
+              <a:t>.</a:t>
+            </a:r>
+          </a:p>
+          <a:p>
+            <a:pPr marL="0" indent="0">
+              <a:buNone/>
+            </a:pPr>
+            <a:r>
+              <a:rPr lang="zh-CN" altLang="en-US" dirty="0"/>
+              <a:t>二，对自己名次的认知</a:t>
+            </a:r>
+            <a:r>
+              <a:rPr lang="en-US" altLang="zh-CN" dirty="0"/>
+              <a:t>.</a:t>
+            </a:r>
+          </a:p>
+          <a:p>
+            <a:pPr marL="0" indent="0">
+              <a:buNone/>
+            </a:pPr>
+            <a:r>
+              <a:rPr lang="zh-CN" altLang="en-US" dirty="0"/>
+              <a:t>三，对自己绩点已经加权平均分的认识</a:t>
+            </a:r>
+            <a:r>
+              <a:rPr lang="en-US" altLang="zh-CN" dirty="0"/>
+              <a:t>.</a:t>
+            </a:r>
+            <a:endParaRPr lang="zh-CN" altLang="en-US" dirty="0"/>
           </a:p>
         </p:txBody>
       </p:sp>
     </p:spTree>
     <p:extLst>
       <p:ext uri="{BB962C8B-B14F-4D97-AF65-F5344CB8AC3E}">
-        <p14:creationId xmlns:p14="http://schemas.microsoft.com/office/powerpoint/2010/main" val="1300592569"/>
+        <p14:creationId xmlns:p14="http://schemas.microsoft.com/office/powerpoint/2010/main" val="1952629233"/>
       </p:ext>
     </p:extLst>
   </p:cSld>
@@ -5789,7 +6309,7 @@
           <p:cNvPr id="2" name="标题 1">
             <a:extLst>
               <a:ext uri="{FF2B5EF4-FFF2-40B4-BE49-F238E27FC236}">
-                <a16:creationId xmlns:a16="http://schemas.microsoft.com/office/drawing/2014/main" id="{9DD5B470-9AAF-4E89-A743-D54DD797093E}"/>
+                <a16:creationId xmlns:a16="http://schemas.microsoft.com/office/drawing/2014/main" id="{1844E394-86D7-4A14-8191-B7E9C341E1A2}"/>
               </a:ext>
             </a:extLst>
           </p:cNvPr>
@@ -5798,159 +6318,63 @@
           </p:cNvSpPr>
           <p:nvPr>
             <p:ph type="title"/>
+          </p:nvPr>
+        </p:nvSpPr>
+        <p:spPr/>
+        <p:txBody>
+          <a:bodyPr/>
+          <a:lstStyle/>
+          <a:p>
+            <a:endParaRPr lang="zh-CN" altLang="en-US" dirty="0"/>
+          </a:p>
+        </p:txBody>
+      </p:sp>
+      <p:sp>
+        <p:nvSpPr>
+          <p:cNvPr id="3" name="内容占位符 2">
+            <a:extLst>
+              <a:ext uri="{FF2B5EF4-FFF2-40B4-BE49-F238E27FC236}">
+                <a16:creationId xmlns:a16="http://schemas.microsoft.com/office/drawing/2014/main" id="{DAA8C1BF-0D39-4970-B685-DBEF1C4CD906}"/>
+              </a:ext>
+            </a:extLst>
+          </p:cNvPr>
+          <p:cNvSpPr>
+            <a:spLocks noGrp="1"/>
+          </p:cNvSpPr>
+          <p:nvPr>
+            <p:ph idx="1"/>
           </p:nvPr>
         </p:nvSpPr>
         <p:spPr>
           <a:xfrm>
-            <a:off x="1544782" y="500062"/>
-            <a:ext cx="10515600" cy="1325563"/>
-          </a:xfrm>
-        </p:spPr>
-        <p:txBody>
-          <a:bodyPr/>
-          <a:lstStyle/>
-          <a:p>
-            <a:r>
-              <a:rPr lang="zh-CN" altLang="en-US" dirty="0"/>
-              <a:t>对需求的实现</a:t>
-            </a:r>
-          </a:p>
-        </p:txBody>
-      </p:sp>
-      <p:sp>
-        <p:nvSpPr>
-          <p:cNvPr id="3" name="内容占位符 2">
-            <a:extLst>
-              <a:ext uri="{FF2B5EF4-FFF2-40B4-BE49-F238E27FC236}">
-                <a16:creationId xmlns:a16="http://schemas.microsoft.com/office/drawing/2014/main" id="{EE805FA1-C085-4399-905F-0FED927673A4}"/>
-              </a:ext>
-            </a:extLst>
-          </p:cNvPr>
-          <p:cNvSpPr>
-            <a:spLocks noGrp="1"/>
-          </p:cNvSpPr>
-          <p:nvPr>
-            <p:ph idx="1"/>
-          </p:nvPr>
-        </p:nvSpPr>
-        <p:spPr>
-          <a:xfrm>
-            <a:off x="1004455" y="1825625"/>
+            <a:off x="1239982" y="1991880"/>
             <a:ext cx="10515600" cy="4351338"/>
           </a:xfrm>
         </p:spPr>
         <p:txBody>
-          <a:bodyPr/>
-          <a:lstStyle/>
-          <a:p>
-            <a:r>
-              <a:rPr lang="zh-CN" altLang="en-US" dirty="0"/>
-              <a:t>一，对</a:t>
-            </a:r>
-            <a:r>
-              <a:rPr lang="en-US" altLang="zh-CN" dirty="0"/>
-              <a:t>TXT</a:t>
-            </a:r>
-            <a:r>
-              <a:rPr lang="zh-CN" altLang="en-US" dirty="0"/>
-              <a:t>文本文件的读取与写入</a:t>
-            </a:r>
-            <a:endParaRPr lang="en-US" altLang="zh-CN" dirty="0"/>
-          </a:p>
-          <a:p>
-            <a:r>
-              <a:rPr lang="en-US" altLang="zh-CN" dirty="0"/>
-              <a:t>    </a:t>
-            </a:r>
-            <a:r>
-              <a:rPr lang="zh-CN" altLang="en-US" dirty="0"/>
-              <a:t>解决方案：</a:t>
-            </a:r>
-            <a:r>
-              <a:rPr lang="en-US" altLang="zh-CN" dirty="0"/>
-              <a:t>c</a:t>
-            </a:r>
-            <a:r>
-              <a:rPr lang="zh-CN" altLang="en-US" dirty="0"/>
-              <a:t>语言中的</a:t>
-            </a:r>
-            <a:r>
-              <a:rPr lang="en-US" altLang="zh-CN" dirty="0"/>
-              <a:t>File</a:t>
-            </a:r>
-            <a:r>
-              <a:rPr lang="zh-CN" altLang="en-US" dirty="0"/>
-              <a:t>文件操作</a:t>
-            </a:r>
-            <a:endParaRPr lang="en-US" altLang="zh-CN" dirty="0"/>
-          </a:p>
-          <a:p>
-            <a:r>
-              <a:rPr lang="zh-CN" altLang="en-US" dirty="0"/>
-              <a:t>二，对数据的查找</a:t>
-            </a:r>
-            <a:endParaRPr lang="en-US" altLang="zh-CN" dirty="0"/>
-          </a:p>
-          <a:p>
-            <a:r>
-              <a:rPr lang="zh-CN" altLang="en-US" dirty="0"/>
-              <a:t>     解决方案一：使用遍历算法</a:t>
-            </a:r>
-            <a:endParaRPr lang="en-US" altLang="zh-CN" dirty="0"/>
-          </a:p>
-          <a:p>
-            <a:r>
-              <a:rPr lang="en-US" altLang="zh-CN" dirty="0"/>
-              <a:t>      </a:t>
-            </a:r>
-            <a:r>
-              <a:rPr lang="zh-CN" altLang="en-US" dirty="0"/>
-              <a:t>缺点</a:t>
-            </a:r>
-            <a:r>
-              <a:rPr lang="en-US" altLang="zh-CN" dirty="0"/>
-              <a:t>:</a:t>
-            </a:r>
-            <a:r>
-              <a:rPr lang="zh-CN" altLang="en-US" dirty="0"/>
-              <a:t>时间复杂度高</a:t>
-            </a:r>
-            <a:endParaRPr lang="en-US" altLang="zh-CN" dirty="0"/>
-          </a:p>
-          <a:p>
-            <a:r>
-              <a:rPr lang="en-US" altLang="zh-CN" dirty="0"/>
-              <a:t>      </a:t>
-            </a:r>
-            <a:r>
-              <a:rPr lang="zh-CN" altLang="en-US" dirty="0"/>
-              <a:t>解决方案二：使用哈希表进行数据的查询</a:t>
-            </a:r>
-            <a:endParaRPr lang="en-US" altLang="zh-CN" dirty="0"/>
-          </a:p>
-          <a:p>
-            <a:r>
-              <a:rPr lang="en-US" altLang="zh-CN" dirty="0"/>
-              <a:t>       </a:t>
-            </a:r>
-            <a:r>
-              <a:rPr lang="zh-CN" altLang="en-US" dirty="0"/>
-              <a:t>缺点：技术难度大</a:t>
-            </a:r>
-            <a:endParaRPr lang="en-US" altLang="zh-CN" dirty="0"/>
-          </a:p>
-          <a:p>
-            <a:endParaRPr lang="en-US" altLang="zh-CN" dirty="0"/>
-          </a:p>
-          <a:p>
-            <a:endParaRPr lang="zh-CN" altLang="en-US" dirty="0"/>
+          <a:bodyPr>
+            <a:normAutofit/>
+          </a:bodyPr>
+          <a:lstStyle/>
+          <a:p>
+            <a:r>
+              <a:rPr lang="zh-CN" altLang="en-US" sz="4400" dirty="0"/>
+              <a:t>那就开干吧！！！！！</a:t>
+            </a:r>
+            <a:endParaRPr lang="en-US" altLang="zh-CN" sz="4400" dirty="0"/>
+          </a:p>
+          <a:p>
+            <a:r>
+              <a:rPr lang="zh-CN" altLang="en-US" sz="4400" dirty="0"/>
+              <a:t>奥利给！！！</a:t>
+            </a:r>
           </a:p>
         </p:txBody>
       </p:sp>
     </p:spTree>
     <p:extLst>
       <p:ext uri="{BB962C8B-B14F-4D97-AF65-F5344CB8AC3E}">
-        <p14:creationId xmlns:p14="http://schemas.microsoft.com/office/powerpoint/2010/main" val="623286783"/>
+        <p14:creationId xmlns:p14="http://schemas.microsoft.com/office/powerpoint/2010/main" val="1300592569"/>
       </p:ext>
     </p:extLst>
   </p:cSld>
@@ -5982,7 +6406,7 @@
           <p:cNvPr id="2" name="标题 1">
             <a:extLst>
               <a:ext uri="{FF2B5EF4-FFF2-40B4-BE49-F238E27FC236}">
-                <a16:creationId xmlns:a16="http://schemas.microsoft.com/office/drawing/2014/main" id="{3810517C-BF6E-46ED-B5A2-54C0746CDC4D}"/>
+                <a16:creationId xmlns:a16="http://schemas.microsoft.com/office/drawing/2014/main" id="{9DD5B470-9AAF-4E89-A743-D54DD797093E}"/>
               </a:ext>
             </a:extLst>
           </p:cNvPr>
@@ -5995,7 +6419,7 @@
         </p:nvSpPr>
         <p:spPr>
           <a:xfrm>
-            <a:off x="1032163" y="681037"/>
+            <a:off x="1544782" y="500062"/>
             <a:ext cx="10515600" cy="1325563"/>
           </a:xfrm>
         </p:spPr>
@@ -6005,7 +6429,7 @@
           <a:p>
             <a:r>
               <a:rPr lang="zh-CN" altLang="en-US" dirty="0"/>
-              <a:t>     对需求的实现</a:t>
+              <a:t>对需求的实现</a:t>
             </a:r>
           </a:p>
         </p:txBody>
@@ -6015,7 +6439,7 @@
           <p:cNvPr id="3" name="内容占位符 2">
             <a:extLst>
               <a:ext uri="{FF2B5EF4-FFF2-40B4-BE49-F238E27FC236}">
-                <a16:creationId xmlns:a16="http://schemas.microsoft.com/office/drawing/2014/main" id="{D1AD014C-B3B4-43FF-A523-3F3A80E3F457}"/>
+                <a16:creationId xmlns:a16="http://schemas.microsoft.com/office/drawing/2014/main" id="{EE805FA1-C085-4399-905F-0FED927673A4}"/>
               </a:ext>
             </a:extLst>
           </p:cNvPr>
@@ -6028,7 +6452,7 @@
         </p:nvSpPr>
         <p:spPr>
           <a:xfrm>
-            <a:off x="1032163" y="1825625"/>
+            <a:off x="1004455" y="1825625"/>
             <a:ext cx="10515600" cy="4351338"/>
           </a:xfrm>
         </p:spPr>
@@ -6038,41 +6462,112 @@
           <a:p>
             <a:r>
               <a:rPr lang="zh-CN" altLang="en-US" dirty="0"/>
-              <a:t>三，对数据的排序</a:t>
+              <a:t>一，对</a:t>
+            </a:r>
+            <a:r>
+              <a:rPr lang="en-US" altLang="zh-CN" dirty="0"/>
+              <a:t>TXT</a:t>
+            </a:r>
+            <a:r>
+              <a:rPr lang="zh-CN" altLang="en-US" dirty="0"/>
+              <a:t>文本文件的读取与写入</a:t>
             </a:r>
             <a:endParaRPr lang="en-US" altLang="zh-CN" dirty="0"/>
           </a:p>
           <a:p>
             <a:r>
-              <a:rPr lang="zh-CN" altLang="en-US" dirty="0"/>
-              <a:t>         解决方案一：冒泡排序</a:t>
+              <a:rPr lang="en-US" altLang="zh-CN" dirty="0"/>
+              <a:t>    </a:t>
+            </a:r>
+            <a:r>
+              <a:rPr lang="zh-CN" altLang="en-US" dirty="0"/>
+              <a:t>解决方案：</a:t>
+            </a:r>
+            <a:r>
+              <a:rPr lang="en-US" altLang="zh-CN" dirty="0"/>
+              <a:t>c</a:t>
+            </a:r>
+            <a:r>
+              <a:rPr lang="zh-CN" altLang="en-US" dirty="0"/>
+              <a:t>语言中的</a:t>
+            </a:r>
+            <a:r>
+              <a:rPr lang="en-US" altLang="zh-CN" dirty="0"/>
+              <a:t>File</a:t>
+            </a:r>
+            <a:r>
+              <a:rPr lang="zh-CN" altLang="en-US" dirty="0"/>
+              <a:t>文件操作</a:t>
             </a:r>
             <a:endParaRPr lang="en-US" altLang="zh-CN" dirty="0"/>
           </a:p>
           <a:p>
             <a:r>
+              <a:rPr lang="zh-CN" altLang="en-US" dirty="0"/>
+              <a:t>二，对数据的查找</a:t>
+            </a:r>
+            <a:endParaRPr lang="en-US" altLang="zh-CN" dirty="0"/>
+          </a:p>
+          <a:p>
+            <a:r>
+              <a:rPr lang="zh-CN" altLang="en-US" dirty="0"/>
+              <a:t>     解决方案一：使用遍历算法</a:t>
+            </a:r>
+            <a:endParaRPr lang="en-US" altLang="zh-CN" dirty="0"/>
+          </a:p>
+          <a:p>
+            <a:r>
               <a:rPr lang="en-US" altLang="zh-CN" dirty="0"/>
-              <a:t>          </a:t>
-            </a:r>
-            <a:r>
-              <a:rPr lang="zh-CN" altLang="en-US" dirty="0"/>
-              <a:t>解决方案二</a:t>
+              <a:t>      </a:t>
+            </a:r>
+            <a:r>
+              <a:rPr lang="zh-CN" altLang="en-US" dirty="0"/>
+              <a:t>缺点</a:t>
             </a:r>
             <a:r>
               <a:rPr lang="en-US" altLang="zh-CN" dirty="0"/>
-              <a:t>:  </a:t>
-            </a:r>
-            <a:r>
-              <a:rPr lang="zh-CN" altLang="en-US" dirty="0"/>
-              <a:t>快速排序</a:t>
-            </a:r>
+              <a:t>:</a:t>
+            </a:r>
+            <a:r>
+              <a:rPr lang="zh-CN" altLang="en-US" dirty="0"/>
+              <a:t>时间复杂度高</a:t>
+            </a:r>
+            <a:endParaRPr lang="en-US" altLang="zh-CN" dirty="0"/>
+          </a:p>
+          <a:p>
+            <a:r>
+              <a:rPr lang="en-US" altLang="zh-CN" dirty="0"/>
+              <a:t>      </a:t>
+            </a:r>
+            <a:r>
+              <a:rPr lang="zh-CN" altLang="en-US" dirty="0"/>
+              <a:t>解决方案二：使用哈希表进行数据的查询</a:t>
+            </a:r>
+            <a:endParaRPr lang="en-US" altLang="zh-CN" dirty="0"/>
+          </a:p>
+          <a:p>
+            <a:r>
+              <a:rPr lang="en-US" altLang="zh-CN" dirty="0"/>
+              <a:t>       </a:t>
+            </a:r>
+            <a:r>
+              <a:rPr lang="zh-CN" altLang="en-US" dirty="0"/>
+              <a:t>缺点：技术难度大</a:t>
+            </a:r>
+            <a:endParaRPr lang="en-US" altLang="zh-CN" dirty="0"/>
+          </a:p>
+          <a:p>
+            <a:endParaRPr lang="en-US" altLang="zh-CN" dirty="0"/>
+          </a:p>
+          <a:p>
+            <a:endParaRPr lang="zh-CN" altLang="en-US" dirty="0"/>
           </a:p>
         </p:txBody>
       </p:sp>
     </p:spTree>
     <p:extLst>
       <p:ext uri="{BB962C8B-B14F-4D97-AF65-F5344CB8AC3E}">
-        <p14:creationId xmlns:p14="http://schemas.microsoft.com/office/powerpoint/2010/main" val="3218298952"/>
+        <p14:creationId xmlns:p14="http://schemas.microsoft.com/office/powerpoint/2010/main" val="623286783"/>
       </p:ext>
     </p:extLst>
   </p:cSld>
@@ -6104,7 +6599,7 @@
           <p:cNvPr id="2" name="标题 1">
             <a:extLst>
               <a:ext uri="{FF2B5EF4-FFF2-40B4-BE49-F238E27FC236}">
-                <a16:creationId xmlns:a16="http://schemas.microsoft.com/office/drawing/2014/main" id="{06837EA6-6E61-41ED-B2B7-AFECCCC83B39}"/>
+                <a16:creationId xmlns:a16="http://schemas.microsoft.com/office/drawing/2014/main" id="{3810517C-BF6E-46ED-B5A2-54C0746CDC4D}"/>
               </a:ext>
             </a:extLst>
           </p:cNvPr>
@@ -6117,7 +6612,7 @@
         </p:nvSpPr>
         <p:spPr>
           <a:xfrm>
-            <a:off x="1184564" y="500062"/>
+            <a:off x="1032163" y="681037"/>
             <a:ext cx="10515600" cy="1325563"/>
           </a:xfrm>
         </p:spPr>
@@ -6126,12 +6621,8 @@
           <a:lstStyle/>
           <a:p>
             <a:r>
-              <a:rPr lang="en-US" altLang="zh-CN" dirty="0"/>
-              <a:t>    </a:t>
-            </a:r>
-            <a:r>
-              <a:rPr lang="zh-CN" altLang="en-US" dirty="0"/>
-              <a:t>测试</a:t>
+              <a:rPr lang="zh-CN" altLang="en-US" dirty="0"/>
+              <a:t>     对需求的实现</a:t>
             </a:r>
           </a:p>
         </p:txBody>
@@ -6141,7 +6632,7 @@
           <p:cNvPr id="3" name="内容占位符 2">
             <a:extLst>
               <a:ext uri="{FF2B5EF4-FFF2-40B4-BE49-F238E27FC236}">
-                <a16:creationId xmlns:a16="http://schemas.microsoft.com/office/drawing/2014/main" id="{21F2C507-86FC-49E9-AF6B-F3104D4F6978}"/>
+                <a16:creationId xmlns:a16="http://schemas.microsoft.com/office/drawing/2014/main" id="{D1AD014C-B3B4-43FF-A523-3F3A80E3F457}"/>
               </a:ext>
             </a:extLst>
           </p:cNvPr>
@@ -6154,7 +6645,7 @@
         </p:nvSpPr>
         <p:spPr>
           <a:xfrm>
-            <a:off x="1184564" y="1825625"/>
+            <a:off x="1032163" y="1825625"/>
             <a:ext cx="10515600" cy="4351338"/>
           </a:xfrm>
         </p:spPr>
@@ -6164,44 +6655,33 @@
           <a:p>
             <a:r>
               <a:rPr lang="zh-CN" altLang="en-US" dirty="0"/>
-              <a:t>分配了任务</a:t>
+              <a:t>三，对数据的排序</a:t>
             </a:r>
             <a:endParaRPr lang="en-US" altLang="zh-CN" dirty="0"/>
           </a:p>
           <a:p>
             <a:r>
               <a:rPr lang="zh-CN" altLang="en-US" dirty="0"/>
-              <a:t>茂源： 哈希表查找</a:t>
+              <a:t>         解决方案一：冒泡排序</a:t>
             </a:r>
             <a:endParaRPr lang="en-US" altLang="zh-CN" dirty="0"/>
           </a:p>
           <a:p>
             <a:r>
-              <a:rPr lang="zh-CN" altLang="en-US" dirty="0"/>
-              <a:t>毛浚州 ：冒泡排序</a:t>
-            </a:r>
-            <a:endParaRPr lang="en-US" altLang="zh-CN" dirty="0"/>
-          </a:p>
-          <a:p>
-            <a:r>
-              <a:rPr lang="zh-CN" altLang="en-US" dirty="0"/>
-              <a:t>王渊：</a:t>
-            </a:r>
-            <a:r>
-              <a:rPr lang="en-US" altLang="zh-CN" dirty="0" err="1"/>
-              <a:t>ui</a:t>
-            </a:r>
-            <a:r>
-              <a:rPr lang="zh-CN" altLang="en-US" dirty="0"/>
-              <a:t>美化，</a:t>
-            </a:r>
-            <a:r>
               <a:rPr lang="en-US" altLang="zh-CN" dirty="0"/>
-              <a:t>ppt</a:t>
-            </a:r>
-            <a:r>
-              <a:rPr lang="zh-CN" altLang="en-US" dirty="0"/>
-              <a:t>中模块分解图</a:t>
+              <a:t>          </a:t>
+            </a:r>
+            <a:r>
+              <a:rPr lang="zh-CN" altLang="en-US" dirty="0"/>
+              <a:t>解决方案二</a:t>
+            </a:r>
+            <a:r>
+              <a:rPr lang="en-US" altLang="zh-CN" dirty="0"/>
+              <a:t>:  </a:t>
+            </a:r>
+            <a:r>
+              <a:rPr lang="zh-CN" altLang="en-US" dirty="0"/>
+              <a:t>快速排序</a:t>
             </a:r>
           </a:p>
         </p:txBody>
@@ -6209,7 +6689,7 @@
     </p:spTree>
     <p:extLst>
       <p:ext uri="{BB962C8B-B14F-4D97-AF65-F5344CB8AC3E}">
-        <p14:creationId xmlns:p14="http://schemas.microsoft.com/office/powerpoint/2010/main" val="602500288"/>
+        <p14:creationId xmlns:p14="http://schemas.microsoft.com/office/powerpoint/2010/main" val="3218298952"/>
       </p:ext>
     </p:extLst>
   </p:cSld>
